--- a/fy26/mcs-custom-engine-agent/images/figures.pptx
+++ b/fy26/mcs-custom-engine-agent/images/figures.pptx
@@ -5,13 +5,19 @@
     <p:sldMasterId id="2147483648" r:id="rId1"/>
   </p:sldMasterIdLst>
   <p:notesMasterIdLst>
-    <p:notesMasterId r:id="rId6"/>
+    <p:notesMasterId r:id="rId12"/>
   </p:notesMasterIdLst>
   <p:sldIdLst>
     <p:sldId id="256" r:id="rId2"/>
     <p:sldId id="258" r:id="rId3"/>
     <p:sldId id="259" r:id="rId4"/>
     <p:sldId id="257" r:id="rId5"/>
+    <p:sldId id="261" r:id="rId6"/>
+    <p:sldId id="262" r:id="rId7"/>
+    <p:sldId id="263" r:id="rId8"/>
+    <p:sldId id="260" r:id="rId9"/>
+    <p:sldId id="264" r:id="rId10"/>
+    <p:sldId id="265" r:id="rId11"/>
   </p:sldIdLst>
   <p:sldSz cx="12192000" cy="6858000"/>
   <p:notesSz cx="6858000" cy="9144000"/>
@@ -110,6 +116,11 @@
       </a:defRPr>
     </a:lvl9pPr>
   </p:defaultTextStyle>
+  <p:extLst>
+    <p:ext uri="{EFAFB233-063F-42B5-8137-9DF3F51BA10A}">
+      <p15:sldGuideLst xmlns:p15="http://schemas.microsoft.com/office/powerpoint/2012/main"/>
+    </p:ext>
+  </p:extLst>
 </p:presentation>
 </file>
 
@@ -195,7 +206,7 @@
           <a:p>
             <a:fld id="{5698C7E6-02FA-4967-BF90-FDC6D1E50978}" type="datetimeFigureOut">
               <a:rPr kumimoji="1" lang="ja-JP" altLang="en-US" smtClean="0"/>
-              <a:t>2025/7/2</a:t>
+              <a:t>2025/7/3</a:t>
             </a:fld>
             <a:endParaRPr kumimoji="1" lang="ja-JP" altLang="en-US"/>
           </a:p>
@@ -725,7 +736,7 @@
           <a:p>
             <a:fld id="{90677C31-A8FC-403D-A771-CCDF6D1C051B}" type="datetimeFigureOut">
               <a:rPr kumimoji="1" lang="ja-JP" altLang="en-US" smtClean="0"/>
-              <a:t>2025/7/2</a:t>
+              <a:t>2025/7/3</a:t>
             </a:fld>
             <a:endParaRPr kumimoji="1" lang="ja-JP" altLang="en-US"/>
           </a:p>
@@ -955,7 +966,7 @@
           <a:p>
             <a:fld id="{90677C31-A8FC-403D-A771-CCDF6D1C051B}" type="datetimeFigureOut">
               <a:rPr kumimoji="1" lang="ja-JP" altLang="en-US" smtClean="0"/>
-              <a:t>2025/7/2</a:t>
+              <a:t>2025/7/3</a:t>
             </a:fld>
             <a:endParaRPr kumimoji="1" lang="ja-JP" altLang="en-US"/>
           </a:p>
@@ -1195,7 +1206,7 @@
           <a:p>
             <a:fld id="{90677C31-A8FC-403D-A771-CCDF6D1C051B}" type="datetimeFigureOut">
               <a:rPr kumimoji="1" lang="ja-JP" altLang="en-US" smtClean="0"/>
-              <a:t>2025/7/2</a:t>
+              <a:t>2025/7/3</a:t>
             </a:fld>
             <a:endParaRPr kumimoji="1" lang="ja-JP" altLang="en-US"/>
           </a:p>
@@ -1425,7 +1436,7 @@
           <a:p>
             <a:fld id="{90677C31-A8FC-403D-A771-CCDF6D1C051B}" type="datetimeFigureOut">
               <a:rPr kumimoji="1" lang="ja-JP" altLang="en-US" smtClean="0"/>
-              <a:t>2025/7/2</a:t>
+              <a:t>2025/7/3</a:t>
             </a:fld>
             <a:endParaRPr kumimoji="1" lang="ja-JP" altLang="en-US"/>
           </a:p>
@@ -1700,7 +1711,7 @@
           <a:p>
             <a:fld id="{90677C31-A8FC-403D-A771-CCDF6D1C051B}" type="datetimeFigureOut">
               <a:rPr kumimoji="1" lang="ja-JP" altLang="en-US" smtClean="0"/>
-              <a:t>2025/7/2</a:t>
+              <a:t>2025/7/3</a:t>
             </a:fld>
             <a:endParaRPr kumimoji="1" lang="ja-JP" altLang="en-US"/>
           </a:p>
@@ -2029,7 +2040,7 @@
           <a:p>
             <a:fld id="{90677C31-A8FC-403D-A771-CCDF6D1C051B}" type="datetimeFigureOut">
               <a:rPr kumimoji="1" lang="ja-JP" altLang="en-US" smtClean="0"/>
-              <a:t>2025/7/2</a:t>
+              <a:t>2025/7/3</a:t>
             </a:fld>
             <a:endParaRPr kumimoji="1" lang="ja-JP" altLang="en-US"/>
           </a:p>
@@ -2505,7 +2516,7 @@
           <a:p>
             <a:fld id="{90677C31-A8FC-403D-A771-CCDF6D1C051B}" type="datetimeFigureOut">
               <a:rPr kumimoji="1" lang="ja-JP" altLang="en-US" smtClean="0"/>
-              <a:t>2025/7/2</a:t>
+              <a:t>2025/7/3</a:t>
             </a:fld>
             <a:endParaRPr kumimoji="1" lang="ja-JP" altLang="en-US"/>
           </a:p>
@@ -2646,7 +2657,7 @@
           <a:p>
             <a:fld id="{90677C31-A8FC-403D-A771-CCDF6D1C051B}" type="datetimeFigureOut">
               <a:rPr kumimoji="1" lang="ja-JP" altLang="en-US" smtClean="0"/>
-              <a:t>2025/7/2</a:t>
+              <a:t>2025/7/3</a:t>
             </a:fld>
             <a:endParaRPr kumimoji="1" lang="ja-JP" altLang="en-US"/>
           </a:p>
@@ -2759,7 +2770,7 @@
           <a:p>
             <a:fld id="{90677C31-A8FC-403D-A771-CCDF6D1C051B}" type="datetimeFigureOut">
               <a:rPr kumimoji="1" lang="ja-JP" altLang="en-US" smtClean="0"/>
-              <a:t>2025/7/2</a:t>
+              <a:t>2025/7/3</a:t>
             </a:fld>
             <a:endParaRPr kumimoji="1" lang="ja-JP" altLang="en-US"/>
           </a:p>
@@ -3102,7 +3113,7 @@
           <a:p>
             <a:fld id="{90677C31-A8FC-403D-A771-CCDF6D1C051B}" type="datetimeFigureOut">
               <a:rPr kumimoji="1" lang="ja-JP" altLang="en-US" smtClean="0"/>
-              <a:t>2025/7/2</a:t>
+              <a:t>2025/7/3</a:t>
             </a:fld>
             <a:endParaRPr kumimoji="1" lang="ja-JP" altLang="en-US"/>
           </a:p>
@@ -3390,7 +3401,7 @@
           <a:p>
             <a:fld id="{90677C31-A8FC-403D-A771-CCDF6D1C051B}" type="datetimeFigureOut">
               <a:rPr kumimoji="1" lang="ja-JP" altLang="en-US" smtClean="0"/>
-              <a:t>2025/7/2</a:t>
+              <a:t>2025/7/3</a:t>
             </a:fld>
             <a:endParaRPr kumimoji="1" lang="ja-JP" altLang="en-US"/>
           </a:p>
@@ -3663,7 +3674,7 @@
           <a:p>
             <a:fld id="{90677C31-A8FC-403D-A771-CCDF6D1C051B}" type="datetimeFigureOut">
               <a:rPr kumimoji="1" lang="ja-JP" altLang="en-US" smtClean="0"/>
-              <a:t>2025/7/2</a:t>
+              <a:t>2025/7/3</a:t>
             </a:fld>
             <a:endParaRPr kumimoji="1" lang="ja-JP" altLang="en-US"/>
           </a:p>
@@ -4093,6 +4104,1986 @@
 </p:sld>
 </file>
 
+<file path=ppt/slides/slide10.xml><?xml version="1.0" encoding="utf-8"?>
+<p:sld xmlns:a="http://schemas.openxmlformats.org/drawingml/2006/main" xmlns:r="http://schemas.openxmlformats.org/officeDocument/2006/relationships" xmlns:p="http://schemas.openxmlformats.org/presentationml/2006/main">
+  <p:cSld>
+    <p:spTree>
+      <p:nvGrpSpPr>
+        <p:cNvPr id="1" name=""/>
+        <p:cNvGrpSpPr/>
+        <p:nvPr/>
+      </p:nvGrpSpPr>
+      <p:grpSpPr>
+        <a:xfrm>
+          <a:off x="0" y="0"/>
+          <a:ext cx="0" cy="0"/>
+          <a:chOff x="0" y="0"/>
+          <a:chExt cx="0" cy="0"/>
+        </a:xfrm>
+      </p:grpSpPr>
+      <p:sp>
+        <p:nvSpPr>
+          <p:cNvPr id="107" name="正方形/長方形 106">
+            <a:extLst>
+              <a:ext uri="{FF2B5EF4-FFF2-40B4-BE49-F238E27FC236}">
+                <a16:creationId xmlns:a16="http://schemas.microsoft.com/office/drawing/2014/main" id="{23D46BE2-91D5-9DE2-874A-868AC01120F4}"/>
+              </a:ext>
+            </a:extLst>
+          </p:cNvPr>
+          <p:cNvSpPr/>
+          <p:nvPr/>
+        </p:nvSpPr>
+        <p:spPr>
+          <a:xfrm>
+            <a:off x="509270" y="313318"/>
+            <a:ext cx="11784330" cy="6259759"/>
+          </a:xfrm>
+          <a:prstGeom prst="rect">
+            <a:avLst/>
+          </a:prstGeom>
+          <a:solidFill>
+            <a:schemeClr val="bg1"/>
+          </a:solidFill>
+          <a:ln>
+            <a:noFill/>
+          </a:ln>
+          <a:effectLst>
+            <a:outerShdw blurRad="50800" dist="38100" dir="2700000" algn="tl" rotWithShape="0">
+              <a:prstClr val="black">
+                <a:alpha val="40000"/>
+              </a:prstClr>
+            </a:outerShdw>
+          </a:effectLst>
+        </p:spPr>
+        <p:style>
+          <a:lnRef idx="2">
+            <a:schemeClr val="accent1">
+              <a:shade val="15000"/>
+            </a:schemeClr>
+          </a:lnRef>
+          <a:fillRef idx="1">
+            <a:schemeClr val="accent1"/>
+          </a:fillRef>
+          <a:effectRef idx="0">
+            <a:schemeClr val="accent1"/>
+          </a:effectRef>
+          <a:fontRef idx="minor">
+            <a:schemeClr val="lt1"/>
+          </a:fontRef>
+        </p:style>
+        <p:txBody>
+          <a:bodyPr rtlCol="0" anchor="ctr"/>
+          <a:lstStyle/>
+          <a:p>
+            <a:pPr algn="ctr"/>
+            <a:endParaRPr kumimoji="1" lang="ja-JP" altLang="en-US" dirty="0"/>
+          </a:p>
+        </p:txBody>
+      </p:sp>
+      <p:sp>
+        <p:nvSpPr>
+          <p:cNvPr id="5" name="テキスト ボックス 4">
+            <a:extLst>
+              <a:ext uri="{FF2B5EF4-FFF2-40B4-BE49-F238E27FC236}">
+                <a16:creationId xmlns:a16="http://schemas.microsoft.com/office/drawing/2014/main" id="{96765800-57A6-C331-0A73-BE792B540B25}"/>
+              </a:ext>
+            </a:extLst>
+          </p:cNvPr>
+          <p:cNvSpPr txBox="1"/>
+          <p:nvPr/>
+        </p:nvSpPr>
+        <p:spPr>
+          <a:xfrm>
+            <a:off x="1065501" y="2609073"/>
+            <a:ext cx="2085827" cy="369332"/>
+          </a:xfrm>
+          <a:prstGeom prst="rect">
+            <a:avLst/>
+          </a:prstGeom>
+          <a:noFill/>
+        </p:spPr>
+        <p:txBody>
+          <a:bodyPr wrap="none" rtlCol="0">
+            <a:spAutoFit/>
+          </a:bodyPr>
+          <a:lstStyle/>
+          <a:p>
+            <a:r>
+              <a:rPr lang="en-US" altLang="ja-JP" dirty="0"/>
+              <a:t>M365 Copilot App</a:t>
+            </a:r>
+            <a:endParaRPr kumimoji="1" lang="ja-JP" altLang="en-US" dirty="0"/>
+          </a:p>
+        </p:txBody>
+      </p:sp>
+      <p:sp>
+        <p:nvSpPr>
+          <p:cNvPr id="7" name="テキスト ボックス 6">
+            <a:extLst>
+              <a:ext uri="{FF2B5EF4-FFF2-40B4-BE49-F238E27FC236}">
+                <a16:creationId xmlns:a16="http://schemas.microsoft.com/office/drawing/2014/main" id="{8930EE89-2F59-F93F-25D7-A4604E27169D}"/>
+              </a:ext>
+            </a:extLst>
+          </p:cNvPr>
+          <p:cNvSpPr txBox="1"/>
+          <p:nvPr/>
+        </p:nvSpPr>
+        <p:spPr>
+          <a:xfrm>
+            <a:off x="1099622" y="4404112"/>
+            <a:ext cx="1981633" cy="369332"/>
+          </a:xfrm>
+          <a:prstGeom prst="rect">
+            <a:avLst/>
+          </a:prstGeom>
+          <a:noFill/>
+        </p:spPr>
+        <p:txBody>
+          <a:bodyPr wrap="none" rtlCol="0">
+            <a:spAutoFit/>
+          </a:bodyPr>
+          <a:lstStyle/>
+          <a:p>
+            <a:r>
+              <a:rPr lang="en-US" altLang="ja-JP" dirty="0"/>
+              <a:t>Microsoft Teams</a:t>
+            </a:r>
+            <a:endParaRPr kumimoji="1" lang="ja-JP" altLang="en-US" dirty="0"/>
+          </a:p>
+        </p:txBody>
+      </p:sp>
+      <p:sp>
+        <p:nvSpPr>
+          <p:cNvPr id="13" name="正方形/長方形 12">
+            <a:extLst>
+              <a:ext uri="{FF2B5EF4-FFF2-40B4-BE49-F238E27FC236}">
+                <a16:creationId xmlns:a16="http://schemas.microsoft.com/office/drawing/2014/main" id="{57D57AF3-4A2F-27E8-D64B-CA7EB8EBA527}"/>
+              </a:ext>
+            </a:extLst>
+          </p:cNvPr>
+          <p:cNvSpPr/>
+          <p:nvPr/>
+        </p:nvSpPr>
+        <p:spPr>
+          <a:xfrm>
+            <a:off x="3638109" y="1134086"/>
+            <a:ext cx="3642539" cy="4165918"/>
+          </a:xfrm>
+          <a:prstGeom prst="rect">
+            <a:avLst/>
+          </a:prstGeom>
+          <a:noFill/>
+          <a:ln w="19050">
+            <a:solidFill>
+              <a:schemeClr val="accent6"/>
+            </a:solidFill>
+          </a:ln>
+        </p:spPr>
+        <p:style>
+          <a:lnRef idx="2">
+            <a:schemeClr val="accent1"/>
+          </a:lnRef>
+          <a:fillRef idx="1">
+            <a:schemeClr val="lt1"/>
+          </a:fillRef>
+          <a:effectRef idx="0">
+            <a:schemeClr val="accent1"/>
+          </a:effectRef>
+          <a:fontRef idx="minor">
+            <a:schemeClr val="dk1"/>
+          </a:fontRef>
+        </p:style>
+        <p:txBody>
+          <a:bodyPr rtlCol="0" anchor="ctr"/>
+          <a:lstStyle/>
+          <a:p>
+            <a:pPr algn="ctr"/>
+            <a:endParaRPr kumimoji="1" lang="ja-JP" altLang="en-US"/>
+          </a:p>
+        </p:txBody>
+      </p:sp>
+      <p:pic>
+        <p:nvPicPr>
+          <p:cNvPr id="29" name="Picture 4">
+            <a:extLst>
+              <a:ext uri="{FF2B5EF4-FFF2-40B4-BE49-F238E27FC236}">
+                <a16:creationId xmlns:a16="http://schemas.microsoft.com/office/drawing/2014/main" id="{6A7B2769-C63D-4272-C957-62D2A850A02C}"/>
+              </a:ext>
+            </a:extLst>
+          </p:cNvPr>
+          <p:cNvPicPr>
+            <a:picLocks noChangeAspect="1" noChangeArrowheads="1"/>
+          </p:cNvPicPr>
+          <p:nvPr/>
+        </p:nvPicPr>
+        <p:blipFill>
+          <a:blip r:embed="rId2">
+            <a:clrChange>
+              <a:clrFrom>
+                <a:srgbClr val="FFFFFF"/>
+              </a:clrFrom>
+              <a:clrTo>
+                <a:srgbClr val="FFFFFF">
+                  <a:alpha val="0"/>
+                </a:srgbClr>
+              </a:clrTo>
+            </a:clrChange>
+            <a:extLst>
+              <a:ext uri="{28A0092B-C50C-407E-A947-70E740481C1C}">
+                <a14:useLocalDpi xmlns:a14="http://schemas.microsoft.com/office/drawing/2010/main" val="0"/>
+              </a:ext>
+            </a:extLst>
+          </a:blip>
+          <a:srcRect/>
+          <a:stretch>
+            <a:fillRect/>
+          </a:stretch>
+        </p:blipFill>
+        <p:spPr bwMode="auto">
+          <a:xfrm>
+            <a:off x="4935355" y="2483747"/>
+            <a:ext cx="999785" cy="999785"/>
+          </a:xfrm>
+          <a:prstGeom prst="rect">
+            <a:avLst/>
+          </a:prstGeom>
+          <a:noFill/>
+          <a:extLst>
+            <a:ext uri="{909E8E84-426E-40DD-AFC4-6F175D3DCCD1}">
+              <a14:hiddenFill xmlns:a14="http://schemas.microsoft.com/office/drawing/2010/main">
+                <a:solidFill>
+                  <a:srgbClr val="FFFFFF"/>
+                </a:solidFill>
+              </a14:hiddenFill>
+            </a:ext>
+          </a:extLst>
+        </p:spPr>
+      </p:pic>
+      <p:pic>
+        <p:nvPicPr>
+          <p:cNvPr id="30" name="Picture 4">
+            <a:extLst>
+              <a:ext uri="{FF2B5EF4-FFF2-40B4-BE49-F238E27FC236}">
+                <a16:creationId xmlns:a16="http://schemas.microsoft.com/office/drawing/2014/main" id="{EE50BE54-5A78-666F-A648-AC417AD0F353}"/>
+              </a:ext>
+            </a:extLst>
+          </p:cNvPr>
+          <p:cNvPicPr>
+            <a:picLocks noChangeAspect="1" noChangeArrowheads="1"/>
+          </p:cNvPicPr>
+          <p:nvPr/>
+        </p:nvPicPr>
+        <p:blipFill>
+          <a:blip r:embed="rId3">
+            <a:clrChange>
+              <a:clrFrom>
+                <a:srgbClr val="FFFFFF"/>
+              </a:clrFrom>
+              <a:clrTo>
+                <a:srgbClr val="FFFFFF">
+                  <a:alpha val="0"/>
+                </a:srgbClr>
+              </a:clrTo>
+            </a:clrChange>
+            <a:extLst>
+              <a:ext uri="{BEBA8EAE-BF5A-486C-A8C5-ECC9F3942E4B}">
+                <a14:imgProps xmlns:a14="http://schemas.microsoft.com/office/drawing/2010/main">
+                  <a14:imgLayer r:embed="rId4">
+                    <a14:imgEffect>
+                      <a14:saturation sat="33000"/>
+                    </a14:imgEffect>
+                  </a14:imgLayer>
+                </a14:imgProps>
+              </a:ext>
+              <a:ext uri="{28A0092B-C50C-407E-A947-70E740481C1C}">
+                <a14:useLocalDpi xmlns:a14="http://schemas.microsoft.com/office/drawing/2010/main" val="0"/>
+              </a:ext>
+            </a:extLst>
+          </a:blip>
+          <a:srcRect/>
+          <a:stretch>
+            <a:fillRect/>
+          </a:stretch>
+        </p:blipFill>
+        <p:spPr bwMode="auto">
+          <a:xfrm>
+            <a:off x="4938120" y="3880725"/>
+            <a:ext cx="999785" cy="999785"/>
+          </a:xfrm>
+          <a:prstGeom prst="rect">
+            <a:avLst/>
+          </a:prstGeom>
+          <a:noFill/>
+          <a:extLst>
+            <a:ext uri="{909E8E84-426E-40DD-AFC4-6F175D3DCCD1}">
+              <a14:hiddenFill xmlns:a14="http://schemas.microsoft.com/office/drawing/2010/main">
+                <a:solidFill>
+                  <a:srgbClr val="FFFFFF"/>
+                </a:solidFill>
+              </a14:hiddenFill>
+            </a:ext>
+          </a:extLst>
+        </p:spPr>
+      </p:pic>
+      <p:pic>
+        <p:nvPicPr>
+          <p:cNvPr id="31" name="Picture 8" descr="Copilot Logo, symbol, meaning, history, PNG, brand">
+            <a:extLst>
+              <a:ext uri="{FF2B5EF4-FFF2-40B4-BE49-F238E27FC236}">
+                <a16:creationId xmlns:a16="http://schemas.microsoft.com/office/drawing/2014/main" id="{E1432B31-A023-4BB8-1165-CD391E7D45F3}"/>
+              </a:ext>
+            </a:extLst>
+          </p:cNvPr>
+          <p:cNvPicPr>
+            <a:picLocks noChangeAspect="1" noChangeArrowheads="1"/>
+          </p:cNvPicPr>
+          <p:nvPr/>
+        </p:nvPicPr>
+        <p:blipFill>
+          <a:blip r:embed="rId5">
+            <a:extLst>
+              <a:ext uri="{28A0092B-C50C-407E-A947-70E740481C1C}">
+                <a14:useLocalDpi xmlns:a14="http://schemas.microsoft.com/office/drawing/2010/main" val="0"/>
+              </a:ext>
+            </a:extLst>
+          </a:blip>
+          <a:srcRect/>
+          <a:stretch>
+            <a:fillRect/>
+          </a:stretch>
+        </p:blipFill>
+        <p:spPr bwMode="auto">
+          <a:xfrm>
+            <a:off x="1551818" y="1770482"/>
+            <a:ext cx="1237801" cy="696262"/>
+          </a:xfrm>
+          <a:prstGeom prst="rect">
+            <a:avLst/>
+          </a:prstGeom>
+          <a:noFill/>
+          <a:extLst>
+            <a:ext uri="{909E8E84-426E-40DD-AFC4-6F175D3DCCD1}">
+              <a14:hiddenFill xmlns:a14="http://schemas.microsoft.com/office/drawing/2010/main">
+                <a:solidFill>
+                  <a:srgbClr val="FFFFFF"/>
+                </a:solidFill>
+              </a14:hiddenFill>
+            </a:ext>
+          </a:extLst>
+        </p:spPr>
+      </p:pic>
+      <p:pic>
+        <p:nvPicPr>
+          <p:cNvPr id="32" name="Picture 16" descr="Microsoft Teams Logo, symbol, meaning, history, PNG, brand">
+            <a:extLst>
+              <a:ext uri="{FF2B5EF4-FFF2-40B4-BE49-F238E27FC236}">
+                <a16:creationId xmlns:a16="http://schemas.microsoft.com/office/drawing/2014/main" id="{15382384-AFC3-6A83-28AB-BA682FCB271C}"/>
+              </a:ext>
+            </a:extLst>
+          </p:cNvPr>
+          <p:cNvPicPr>
+            <a:picLocks noChangeAspect="1" noChangeArrowheads="1"/>
+          </p:cNvPicPr>
+          <p:nvPr/>
+        </p:nvPicPr>
+        <p:blipFill>
+          <a:blip r:embed="rId6">
+            <a:extLst>
+              <a:ext uri="{28A0092B-C50C-407E-A947-70E740481C1C}">
+                <a14:useLocalDpi xmlns:a14="http://schemas.microsoft.com/office/drawing/2010/main" val="0"/>
+              </a:ext>
+            </a:extLst>
+          </a:blip>
+          <a:srcRect/>
+          <a:stretch>
+            <a:fillRect/>
+          </a:stretch>
+        </p:blipFill>
+        <p:spPr bwMode="auto">
+          <a:xfrm>
+            <a:off x="1471788" y="3591049"/>
+            <a:ext cx="1361581" cy="765888"/>
+          </a:xfrm>
+          <a:prstGeom prst="rect">
+            <a:avLst/>
+          </a:prstGeom>
+          <a:noFill/>
+          <a:extLst>
+            <a:ext uri="{909E8E84-426E-40DD-AFC4-6F175D3DCCD1}">
+              <a14:hiddenFill xmlns:a14="http://schemas.microsoft.com/office/drawing/2010/main">
+                <a:solidFill>
+                  <a:srgbClr val="FFFFFF"/>
+                </a:solidFill>
+              </a14:hiddenFill>
+            </a:ext>
+          </a:extLst>
+        </p:spPr>
+      </p:pic>
+      <p:sp>
+        <p:nvSpPr>
+          <p:cNvPr id="38" name="テキスト ボックス 37">
+            <a:extLst>
+              <a:ext uri="{FF2B5EF4-FFF2-40B4-BE49-F238E27FC236}">
+                <a16:creationId xmlns:a16="http://schemas.microsoft.com/office/drawing/2014/main" id="{FA6B1095-F1E2-AE34-8F25-8A1B4F993146}"/>
+              </a:ext>
+            </a:extLst>
+          </p:cNvPr>
+          <p:cNvSpPr txBox="1"/>
+          <p:nvPr/>
+        </p:nvSpPr>
+        <p:spPr>
+          <a:xfrm>
+            <a:off x="4090679" y="683022"/>
+            <a:ext cx="2327881" cy="369332"/>
+          </a:xfrm>
+          <a:prstGeom prst="rect">
+            <a:avLst/>
+          </a:prstGeom>
+          <a:noFill/>
+        </p:spPr>
+        <p:txBody>
+          <a:bodyPr wrap="none" rtlCol="0">
+            <a:spAutoFit/>
+          </a:bodyPr>
+          <a:lstStyle/>
+          <a:p>
+            <a:r>
+              <a:rPr kumimoji="1" lang="ja-JP" altLang="en-US" dirty="0"/>
+              <a:t>エージェント ストア</a:t>
+            </a:r>
+          </a:p>
+        </p:txBody>
+      </p:sp>
+      <p:sp>
+        <p:nvSpPr>
+          <p:cNvPr id="40" name="正方形/長方形 39">
+            <a:extLst>
+              <a:ext uri="{FF2B5EF4-FFF2-40B4-BE49-F238E27FC236}">
+                <a16:creationId xmlns:a16="http://schemas.microsoft.com/office/drawing/2014/main" id="{3EC3A5AE-33B6-6576-592F-99C20D50BFBD}"/>
+              </a:ext>
+            </a:extLst>
+          </p:cNvPr>
+          <p:cNvSpPr/>
+          <p:nvPr/>
+        </p:nvSpPr>
+        <p:spPr>
+          <a:xfrm>
+            <a:off x="994209" y="1131181"/>
+            <a:ext cx="2260313" cy="4165918"/>
+          </a:xfrm>
+          <a:prstGeom prst="rect">
+            <a:avLst/>
+          </a:prstGeom>
+          <a:noFill/>
+          <a:ln w="19050">
+            <a:solidFill>
+              <a:schemeClr val="accent6"/>
+            </a:solidFill>
+          </a:ln>
+        </p:spPr>
+        <p:style>
+          <a:lnRef idx="2">
+            <a:schemeClr val="accent1"/>
+          </a:lnRef>
+          <a:fillRef idx="1">
+            <a:schemeClr val="lt1"/>
+          </a:fillRef>
+          <a:effectRef idx="0">
+            <a:schemeClr val="accent1"/>
+          </a:effectRef>
+          <a:fontRef idx="minor">
+            <a:schemeClr val="dk1"/>
+          </a:fontRef>
+        </p:style>
+        <p:txBody>
+          <a:bodyPr rtlCol="0" anchor="ctr"/>
+          <a:lstStyle/>
+          <a:p>
+            <a:pPr algn="ctr"/>
+            <a:endParaRPr kumimoji="1" lang="ja-JP" altLang="en-US"/>
+          </a:p>
+        </p:txBody>
+      </p:sp>
+      <p:sp>
+        <p:nvSpPr>
+          <p:cNvPr id="41" name="テキスト ボックス 40">
+            <a:extLst>
+              <a:ext uri="{FF2B5EF4-FFF2-40B4-BE49-F238E27FC236}">
+                <a16:creationId xmlns:a16="http://schemas.microsoft.com/office/drawing/2014/main" id="{25C05FEC-7C31-F1CF-87C8-49F5A399187E}"/>
+              </a:ext>
+            </a:extLst>
+          </p:cNvPr>
+          <p:cNvSpPr txBox="1"/>
+          <p:nvPr/>
+        </p:nvSpPr>
+        <p:spPr>
+          <a:xfrm>
+            <a:off x="592129" y="690685"/>
+            <a:ext cx="2789546" cy="369332"/>
+          </a:xfrm>
+          <a:prstGeom prst="rect">
+            <a:avLst/>
+          </a:prstGeom>
+          <a:noFill/>
+        </p:spPr>
+        <p:txBody>
+          <a:bodyPr wrap="none" rtlCol="0">
+            <a:spAutoFit/>
+          </a:bodyPr>
+          <a:lstStyle/>
+          <a:p>
+            <a:r>
+              <a:rPr kumimoji="1" lang="ja-JP" altLang="en-US" dirty="0"/>
+              <a:t>ユーザー インタフェース</a:t>
+            </a:r>
+          </a:p>
+        </p:txBody>
+      </p:sp>
+      <p:pic>
+        <p:nvPicPr>
+          <p:cNvPr id="43" name="Picture 4" descr="Microsoft Copilot Studio Training - Flexmind">
+            <a:extLst>
+              <a:ext uri="{FF2B5EF4-FFF2-40B4-BE49-F238E27FC236}">
+                <a16:creationId xmlns:a16="http://schemas.microsoft.com/office/drawing/2014/main" id="{814412B1-969D-DE0E-D84B-48B4AA6D3598}"/>
+              </a:ext>
+            </a:extLst>
+          </p:cNvPr>
+          <p:cNvPicPr>
+            <a:picLocks noChangeAspect="1" noChangeArrowheads="1"/>
+          </p:cNvPicPr>
+          <p:nvPr/>
+        </p:nvPicPr>
+        <p:blipFill>
+          <a:blip r:embed="rId7">
+            <a:extLst>
+              <a:ext uri="{28A0092B-C50C-407E-A947-70E740481C1C}">
+                <a14:useLocalDpi xmlns:a14="http://schemas.microsoft.com/office/drawing/2010/main" val="0"/>
+              </a:ext>
+            </a:extLst>
+          </a:blip>
+          <a:srcRect/>
+          <a:stretch>
+            <a:fillRect/>
+          </a:stretch>
+        </p:blipFill>
+        <p:spPr bwMode="auto">
+          <a:xfrm>
+            <a:off x="1876245" y="5621496"/>
+            <a:ext cx="724906" cy="724906"/>
+          </a:xfrm>
+          <a:prstGeom prst="rect">
+            <a:avLst/>
+          </a:prstGeom>
+          <a:noFill/>
+          <a:extLst>
+            <a:ext uri="{909E8E84-426E-40DD-AFC4-6F175D3DCCD1}">
+              <a14:hiddenFill xmlns:a14="http://schemas.microsoft.com/office/drawing/2010/main">
+                <a:solidFill>
+                  <a:srgbClr val="FFFFFF"/>
+                </a:solidFill>
+              </a14:hiddenFill>
+            </a:ext>
+          </a:extLst>
+        </p:spPr>
+      </p:pic>
+      <p:pic>
+        <p:nvPicPr>
+          <p:cNvPr id="1026" name="Picture 2">
+            <a:extLst>
+              <a:ext uri="{FF2B5EF4-FFF2-40B4-BE49-F238E27FC236}">
+                <a16:creationId xmlns:a16="http://schemas.microsoft.com/office/drawing/2014/main" id="{F6C7FC61-5145-A41F-4E43-9B073AF2824C}"/>
+              </a:ext>
+            </a:extLst>
+          </p:cNvPr>
+          <p:cNvPicPr>
+            <a:picLocks noChangeAspect="1" noChangeArrowheads="1"/>
+          </p:cNvPicPr>
+          <p:nvPr/>
+        </p:nvPicPr>
+        <p:blipFill>
+          <a:blip r:embed="rId8">
+            <a:extLst>
+              <a:ext uri="{28A0092B-C50C-407E-A947-70E740481C1C}">
+                <a14:useLocalDpi xmlns:a14="http://schemas.microsoft.com/office/drawing/2010/main" val="0"/>
+              </a:ext>
+            </a:extLst>
+          </a:blip>
+          <a:srcRect/>
+          <a:stretch>
+            <a:fillRect/>
+          </a:stretch>
+        </p:blipFill>
+        <p:spPr bwMode="auto">
+          <a:xfrm>
+            <a:off x="4011963" y="1251091"/>
+            <a:ext cx="827715" cy="827715"/>
+          </a:xfrm>
+          <a:prstGeom prst="rect">
+            <a:avLst/>
+          </a:prstGeom>
+          <a:noFill/>
+          <a:extLst>
+            <a:ext uri="{909E8E84-426E-40DD-AFC4-6F175D3DCCD1}">
+              <a14:hiddenFill xmlns:a14="http://schemas.microsoft.com/office/drawing/2010/main">
+                <a:solidFill>
+                  <a:srgbClr val="FFFFFF"/>
+                </a:solidFill>
+              </a14:hiddenFill>
+            </a:ext>
+          </a:extLst>
+        </p:spPr>
+      </p:pic>
+      <p:pic>
+        <p:nvPicPr>
+          <p:cNvPr id="1028" name="Picture 4">
+            <a:extLst>
+              <a:ext uri="{FF2B5EF4-FFF2-40B4-BE49-F238E27FC236}">
+                <a16:creationId xmlns:a16="http://schemas.microsoft.com/office/drawing/2014/main" id="{736F02D3-598B-A484-D4A6-AB1247D9ED0C}"/>
+              </a:ext>
+            </a:extLst>
+          </p:cNvPr>
+          <p:cNvPicPr>
+            <a:picLocks noChangeAspect="1" noChangeArrowheads="1"/>
+          </p:cNvPicPr>
+          <p:nvPr/>
+        </p:nvPicPr>
+        <p:blipFill>
+          <a:blip r:embed="rId9">
+            <a:extLst>
+              <a:ext uri="{28A0092B-C50C-407E-A947-70E740481C1C}">
+                <a14:useLocalDpi xmlns:a14="http://schemas.microsoft.com/office/drawing/2010/main" val="0"/>
+              </a:ext>
+            </a:extLst>
+          </a:blip>
+          <a:srcRect/>
+          <a:stretch>
+            <a:fillRect/>
+          </a:stretch>
+        </p:blipFill>
+        <p:spPr bwMode="auto">
+          <a:xfrm>
+            <a:off x="5024155" y="1208951"/>
+            <a:ext cx="827715" cy="827715"/>
+          </a:xfrm>
+          <a:prstGeom prst="rect">
+            <a:avLst/>
+          </a:prstGeom>
+          <a:noFill/>
+          <a:extLst>
+            <a:ext uri="{909E8E84-426E-40DD-AFC4-6F175D3DCCD1}">
+              <a14:hiddenFill xmlns:a14="http://schemas.microsoft.com/office/drawing/2010/main">
+                <a:solidFill>
+                  <a:srgbClr val="FFFFFF"/>
+                </a:solidFill>
+              </a14:hiddenFill>
+            </a:ext>
+          </a:extLst>
+        </p:spPr>
+      </p:pic>
+      <p:pic>
+        <p:nvPicPr>
+          <p:cNvPr id="1030" name="Picture 6">
+            <a:extLst>
+              <a:ext uri="{FF2B5EF4-FFF2-40B4-BE49-F238E27FC236}">
+                <a16:creationId xmlns:a16="http://schemas.microsoft.com/office/drawing/2014/main" id="{55E3184F-D50A-9E5D-87B8-2A55DE792EC0}"/>
+              </a:ext>
+            </a:extLst>
+          </p:cNvPr>
+          <p:cNvPicPr>
+            <a:picLocks noChangeAspect="1" noChangeArrowheads="1"/>
+          </p:cNvPicPr>
+          <p:nvPr/>
+        </p:nvPicPr>
+        <p:blipFill>
+          <a:blip r:embed="rId10">
+            <a:extLst>
+              <a:ext uri="{28A0092B-C50C-407E-A947-70E740481C1C}">
+                <a14:useLocalDpi xmlns:a14="http://schemas.microsoft.com/office/drawing/2010/main" val="0"/>
+              </a:ext>
+            </a:extLst>
+          </a:blip>
+          <a:srcRect/>
+          <a:stretch>
+            <a:fillRect/>
+          </a:stretch>
+        </p:blipFill>
+        <p:spPr bwMode="auto">
+          <a:xfrm>
+            <a:off x="5986429" y="1122040"/>
+            <a:ext cx="1001536" cy="1001536"/>
+          </a:xfrm>
+          <a:prstGeom prst="rect">
+            <a:avLst/>
+          </a:prstGeom>
+          <a:noFill/>
+          <a:extLst>
+            <a:ext uri="{909E8E84-426E-40DD-AFC4-6F175D3DCCD1}">
+              <a14:hiddenFill xmlns:a14="http://schemas.microsoft.com/office/drawing/2010/main">
+                <a:solidFill>
+                  <a:srgbClr val="FFFFFF"/>
+                </a:solidFill>
+              </a14:hiddenFill>
+            </a:ext>
+          </a:extLst>
+        </p:spPr>
+      </p:pic>
+      <p:sp>
+        <p:nvSpPr>
+          <p:cNvPr id="73" name="テキスト ボックス 72">
+            <a:extLst>
+              <a:ext uri="{FF2B5EF4-FFF2-40B4-BE49-F238E27FC236}">
+                <a16:creationId xmlns:a16="http://schemas.microsoft.com/office/drawing/2014/main" id="{46179293-5ECD-720B-6815-6C3EB2131B65}"/>
+              </a:ext>
+            </a:extLst>
+          </p:cNvPr>
+          <p:cNvSpPr txBox="1"/>
+          <p:nvPr/>
+        </p:nvSpPr>
+        <p:spPr>
+          <a:xfrm>
+            <a:off x="3960685" y="2036666"/>
+            <a:ext cx="2954655" cy="369332"/>
+          </a:xfrm>
+          <a:prstGeom prst="rect">
+            <a:avLst/>
+          </a:prstGeom>
+          <a:noFill/>
+        </p:spPr>
+        <p:txBody>
+          <a:bodyPr wrap="none" rtlCol="0">
+            <a:spAutoFit/>
+          </a:bodyPr>
+          <a:lstStyle/>
+          <a:p>
+            <a:r>
+              <a:rPr kumimoji="1" lang="ja-JP" altLang="en-US" dirty="0"/>
+              <a:t>事前構築済みエージェント</a:t>
+            </a:r>
+          </a:p>
+        </p:txBody>
+      </p:sp>
+      <p:sp>
+        <p:nvSpPr>
+          <p:cNvPr id="74" name="テキスト ボックス 73">
+            <a:extLst>
+              <a:ext uri="{FF2B5EF4-FFF2-40B4-BE49-F238E27FC236}">
+                <a16:creationId xmlns:a16="http://schemas.microsoft.com/office/drawing/2014/main" id="{4B6C927C-9805-BC85-CC9B-6F2990926746}"/>
+              </a:ext>
+            </a:extLst>
+          </p:cNvPr>
+          <p:cNvSpPr txBox="1"/>
+          <p:nvPr/>
+        </p:nvSpPr>
+        <p:spPr>
+          <a:xfrm>
+            <a:off x="4242989" y="3451906"/>
+            <a:ext cx="2417650" cy="369332"/>
+          </a:xfrm>
+          <a:prstGeom prst="rect">
+            <a:avLst/>
+          </a:prstGeom>
+          <a:noFill/>
+        </p:spPr>
+        <p:txBody>
+          <a:bodyPr wrap="none" rtlCol="0">
+            <a:spAutoFit/>
+          </a:bodyPr>
+          <a:lstStyle/>
+          <a:p>
+            <a:r>
+              <a:rPr kumimoji="1" lang="ja-JP" altLang="en-US" dirty="0"/>
+              <a:t>宣言型エージェント</a:t>
+            </a:r>
+            <a:r>
+              <a:rPr lang="ja-JP" altLang="en-US" dirty="0"/>
+              <a:t> </a:t>
+            </a:r>
+            <a:endParaRPr kumimoji="1" lang="ja-JP" altLang="en-US" dirty="0"/>
+          </a:p>
+        </p:txBody>
+      </p:sp>
+      <p:pic>
+        <p:nvPicPr>
+          <p:cNvPr id="75" name="グラフィックス 74">
+            <a:extLst>
+              <a:ext uri="{FF2B5EF4-FFF2-40B4-BE49-F238E27FC236}">
+                <a16:creationId xmlns:a16="http://schemas.microsoft.com/office/drawing/2014/main" id="{E13FC280-7D09-325F-D64F-FBA2679ACD8F}"/>
+              </a:ext>
+            </a:extLst>
+          </p:cNvPr>
+          <p:cNvPicPr>
+            <a:picLocks noChangeAspect="1"/>
+          </p:cNvPicPr>
+          <p:nvPr/>
+        </p:nvPicPr>
+        <p:blipFill>
+          <a:blip r:embed="rId11">
+            <a:extLst>
+              <a:ext uri="{96DAC541-7B7A-43D3-8B79-37D633B846F1}">
+                <asvg:svgBlip xmlns:asvg="http://schemas.microsoft.com/office/drawing/2016/SVG/main" r:embed="rId12"/>
+              </a:ext>
+            </a:extLst>
+          </a:blip>
+          <a:stretch>
+            <a:fillRect/>
+          </a:stretch>
+        </p:blipFill>
+        <p:spPr>
+          <a:xfrm>
+            <a:off x="10877451" y="4125960"/>
+            <a:ext cx="577811" cy="577811"/>
+          </a:xfrm>
+          <a:prstGeom prst="rect">
+            <a:avLst/>
+          </a:prstGeom>
+        </p:spPr>
+      </p:pic>
+      <p:pic>
+        <p:nvPicPr>
+          <p:cNvPr id="76" name="Graphic 437806336">
+            <a:extLst>
+              <a:ext uri="{FF2B5EF4-FFF2-40B4-BE49-F238E27FC236}">
+                <a16:creationId xmlns:a16="http://schemas.microsoft.com/office/drawing/2014/main" id="{C0A8A3F3-A6C0-F0E6-64F4-694824966C62}"/>
+              </a:ext>
+              <a:ext uri="{C183D7F6-B498-43B3-948B-1728B52AA6E4}">
+                <adec:decorative xmlns:adec="http://schemas.microsoft.com/office/drawing/2017/decorative" val="1"/>
+              </a:ext>
+            </a:extLst>
+          </p:cNvPr>
+          <p:cNvPicPr>
+            <a:picLocks noChangeAspect="1"/>
+          </p:cNvPicPr>
+          <p:nvPr/>
+        </p:nvPicPr>
+        <p:blipFill>
+          <a:blip r:embed="rId13">
+            <a:extLst>
+              <a:ext uri="{96DAC541-7B7A-43D3-8B79-37D633B846F1}">
+                <asvg:svgBlip xmlns:asvg="http://schemas.microsoft.com/office/drawing/2016/SVG/main" r:embed="rId14"/>
+              </a:ext>
+            </a:extLst>
+          </a:blip>
+          <a:stretch>
+            <a:fillRect/>
+          </a:stretch>
+        </p:blipFill>
+        <p:spPr>
+          <a:xfrm>
+            <a:off x="10845613" y="1257025"/>
+            <a:ext cx="704356" cy="689008"/>
+          </a:xfrm>
+          <a:prstGeom prst="rect">
+            <a:avLst/>
+          </a:prstGeom>
+        </p:spPr>
+      </p:pic>
+      <p:pic>
+        <p:nvPicPr>
+          <p:cNvPr id="77" name="グラフィックス 48">
+            <a:extLst>
+              <a:ext uri="{FF2B5EF4-FFF2-40B4-BE49-F238E27FC236}">
+                <a16:creationId xmlns:a16="http://schemas.microsoft.com/office/drawing/2014/main" id="{9E4D19F3-80FA-2B7A-44B6-6503C267EF83}"/>
+              </a:ext>
+            </a:extLst>
+          </p:cNvPr>
+          <p:cNvPicPr>
+            <a:picLocks noChangeAspect="1"/>
+          </p:cNvPicPr>
+          <p:nvPr/>
+        </p:nvPicPr>
+        <p:blipFill>
+          <a:blip r:embed="rId15">
+            <a:extLst>
+              <a:ext uri="{96DAC541-7B7A-43D3-8B79-37D633B846F1}">
+                <asvg:svgBlip xmlns:asvg="http://schemas.microsoft.com/office/drawing/2016/SVG/main" r:embed="rId16"/>
+              </a:ext>
+            </a:extLst>
+          </a:blip>
+          <a:stretch>
+            <a:fillRect/>
+          </a:stretch>
+        </p:blipFill>
+        <p:spPr>
+          <a:xfrm>
+            <a:off x="10592204" y="2734990"/>
+            <a:ext cx="661393" cy="661393"/>
+          </a:xfrm>
+          <a:prstGeom prst="rect">
+            <a:avLst/>
+          </a:prstGeom>
+        </p:spPr>
+      </p:pic>
+      <p:pic>
+        <p:nvPicPr>
+          <p:cNvPr id="1034" name="Picture 10">
+            <a:extLst>
+              <a:ext uri="{FF2B5EF4-FFF2-40B4-BE49-F238E27FC236}">
+                <a16:creationId xmlns:a16="http://schemas.microsoft.com/office/drawing/2014/main" id="{0821122E-EF18-1463-EDBB-9B8C29847DC5}"/>
+              </a:ext>
+            </a:extLst>
+          </p:cNvPr>
+          <p:cNvPicPr>
+            <a:picLocks noChangeAspect="1" noChangeArrowheads="1"/>
+          </p:cNvPicPr>
+          <p:nvPr/>
+        </p:nvPicPr>
+        <p:blipFill>
+          <a:blip r:embed="rId17">
+            <a:extLst>
+              <a:ext uri="{28A0092B-C50C-407E-A947-70E740481C1C}">
+                <a14:useLocalDpi xmlns:a14="http://schemas.microsoft.com/office/drawing/2010/main" val="0"/>
+              </a:ext>
+            </a:extLst>
+          </a:blip>
+          <a:srcRect/>
+          <a:stretch>
+            <a:fillRect/>
+          </a:stretch>
+        </p:blipFill>
+        <p:spPr bwMode="auto">
+          <a:xfrm>
+            <a:off x="11253597" y="2118613"/>
+            <a:ext cx="642107" cy="642107"/>
+          </a:xfrm>
+          <a:prstGeom prst="rect">
+            <a:avLst/>
+          </a:prstGeom>
+          <a:noFill/>
+          <a:extLst>
+            <a:ext uri="{909E8E84-426E-40DD-AFC4-6F175D3DCCD1}">
+              <a14:hiddenFill xmlns:a14="http://schemas.microsoft.com/office/drawing/2010/main">
+                <a:solidFill>
+                  <a:srgbClr val="FFFFFF"/>
+                </a:solidFill>
+              </a14:hiddenFill>
+            </a:ext>
+          </a:extLst>
+        </p:spPr>
+      </p:pic>
+      <p:pic>
+        <p:nvPicPr>
+          <p:cNvPr id="80" name="グラフィックス 79">
+            <a:extLst>
+              <a:ext uri="{FF2B5EF4-FFF2-40B4-BE49-F238E27FC236}">
+                <a16:creationId xmlns:a16="http://schemas.microsoft.com/office/drawing/2014/main" id="{7F1BC43D-454F-6EF0-8143-8D6CFA94E98B}"/>
+              </a:ext>
+            </a:extLst>
+          </p:cNvPr>
+          <p:cNvPicPr>
+            <a:picLocks noChangeAspect="1"/>
+          </p:cNvPicPr>
+          <p:nvPr/>
+        </p:nvPicPr>
+        <p:blipFill>
+          <a:blip r:embed="rId18">
+            <a:extLst>
+              <a:ext uri="{96DAC541-7B7A-43D3-8B79-37D633B846F1}">
+                <asvg:svgBlip xmlns:asvg="http://schemas.microsoft.com/office/drawing/2016/SVG/main" r:embed="rId19"/>
+              </a:ext>
+            </a:extLst>
+          </a:blip>
+          <a:stretch>
+            <a:fillRect/>
+          </a:stretch>
+        </p:blipFill>
+        <p:spPr>
+          <a:xfrm>
+            <a:off x="10260166" y="2035076"/>
+            <a:ext cx="535429" cy="535429"/>
+          </a:xfrm>
+          <a:prstGeom prst="rect">
+            <a:avLst/>
+          </a:prstGeom>
+        </p:spPr>
+      </p:pic>
+      <p:pic>
+        <p:nvPicPr>
+          <p:cNvPr id="84" name="図 83">
+            <a:extLst>
+              <a:ext uri="{FF2B5EF4-FFF2-40B4-BE49-F238E27FC236}">
+                <a16:creationId xmlns:a16="http://schemas.microsoft.com/office/drawing/2014/main" id="{4A62B4B4-E179-927C-D237-7273CE62977E}"/>
+              </a:ext>
+            </a:extLst>
+          </p:cNvPr>
+          <p:cNvPicPr>
+            <a:picLocks noChangeAspect="1"/>
+          </p:cNvPicPr>
+          <p:nvPr/>
+        </p:nvPicPr>
+        <p:blipFill>
+          <a:blip r:embed="rId20"/>
+          <a:stretch>
+            <a:fillRect/>
+          </a:stretch>
+        </p:blipFill>
+        <p:spPr>
+          <a:xfrm>
+            <a:off x="9446586" y="1197314"/>
+            <a:ext cx="819833" cy="839352"/>
+          </a:xfrm>
+          <a:prstGeom prst="rect">
+            <a:avLst/>
+          </a:prstGeom>
+        </p:spPr>
+      </p:pic>
+      <p:pic>
+        <p:nvPicPr>
+          <p:cNvPr id="87" name="図 86">
+            <a:extLst>
+              <a:ext uri="{FF2B5EF4-FFF2-40B4-BE49-F238E27FC236}">
+                <a16:creationId xmlns:a16="http://schemas.microsoft.com/office/drawing/2014/main" id="{345DF8D6-8615-DD18-96B7-27969824E4CE}"/>
+              </a:ext>
+            </a:extLst>
+          </p:cNvPr>
+          <p:cNvPicPr>
+            <a:picLocks noChangeAspect="1"/>
+          </p:cNvPicPr>
+          <p:nvPr/>
+        </p:nvPicPr>
+        <p:blipFill>
+          <a:blip r:embed="rId21"/>
+          <a:stretch>
+            <a:fillRect/>
+          </a:stretch>
+        </p:blipFill>
+        <p:spPr>
+          <a:xfrm>
+            <a:off x="9088838" y="2015935"/>
+            <a:ext cx="869520" cy="650661"/>
+          </a:xfrm>
+          <a:prstGeom prst="rect">
+            <a:avLst/>
+          </a:prstGeom>
+        </p:spPr>
+      </p:pic>
+      <p:sp>
+        <p:nvSpPr>
+          <p:cNvPr id="88" name="テキスト ボックス 87">
+            <a:extLst>
+              <a:ext uri="{FF2B5EF4-FFF2-40B4-BE49-F238E27FC236}">
+                <a16:creationId xmlns:a16="http://schemas.microsoft.com/office/drawing/2014/main" id="{7C6C3E63-34D3-3A8E-940E-EDA6C974FF24}"/>
+              </a:ext>
+            </a:extLst>
+          </p:cNvPr>
+          <p:cNvSpPr txBox="1"/>
+          <p:nvPr/>
+        </p:nvSpPr>
+        <p:spPr>
+          <a:xfrm>
+            <a:off x="3664129" y="4833626"/>
+            <a:ext cx="3547766" cy="369332"/>
+          </a:xfrm>
+          <a:prstGeom prst="rect">
+            <a:avLst/>
+          </a:prstGeom>
+          <a:noFill/>
+        </p:spPr>
+        <p:txBody>
+          <a:bodyPr wrap="none" rtlCol="0">
+            <a:spAutoFit/>
+          </a:bodyPr>
+          <a:lstStyle/>
+          <a:p>
+            <a:r>
+              <a:rPr kumimoji="1" lang="ja-JP" altLang="en-US" dirty="0"/>
+              <a:t>カスタム エンジン エージェント</a:t>
+            </a:r>
+          </a:p>
+        </p:txBody>
+      </p:sp>
+      <p:sp>
+        <p:nvSpPr>
+          <p:cNvPr id="90" name="テキスト ボックス 89">
+            <a:extLst>
+              <a:ext uri="{FF2B5EF4-FFF2-40B4-BE49-F238E27FC236}">
+                <a16:creationId xmlns:a16="http://schemas.microsoft.com/office/drawing/2014/main" id="{CEE51977-C4CB-F7D3-FEEC-41E5D6C5F1A0}"/>
+              </a:ext>
+            </a:extLst>
+          </p:cNvPr>
+          <p:cNvSpPr txBox="1"/>
+          <p:nvPr/>
+        </p:nvSpPr>
+        <p:spPr>
+          <a:xfrm>
+            <a:off x="9081089" y="690685"/>
+            <a:ext cx="2031325" cy="369332"/>
+          </a:xfrm>
+          <a:prstGeom prst="rect">
+            <a:avLst/>
+          </a:prstGeom>
+          <a:noFill/>
+        </p:spPr>
+        <p:txBody>
+          <a:bodyPr wrap="none" rtlCol="0">
+            <a:spAutoFit/>
+          </a:bodyPr>
+          <a:lstStyle/>
+          <a:p>
+            <a:r>
+              <a:rPr kumimoji="1" lang="ja-JP" altLang="en-US" dirty="0"/>
+              <a:t>ツールとナリッジ</a:t>
+            </a:r>
+          </a:p>
+        </p:txBody>
+      </p:sp>
+      <p:sp>
+        <p:nvSpPr>
+          <p:cNvPr id="91" name="正方形/長方形 90">
+            <a:extLst>
+              <a:ext uri="{FF2B5EF4-FFF2-40B4-BE49-F238E27FC236}">
+                <a16:creationId xmlns:a16="http://schemas.microsoft.com/office/drawing/2014/main" id="{A73F2067-CE78-B1B0-A16D-2A6D9361E78A}"/>
+              </a:ext>
+            </a:extLst>
+          </p:cNvPr>
+          <p:cNvSpPr/>
+          <p:nvPr/>
+        </p:nvSpPr>
+        <p:spPr>
+          <a:xfrm>
+            <a:off x="8917410" y="1131182"/>
+            <a:ext cx="3080223" cy="2323623"/>
+          </a:xfrm>
+          <a:prstGeom prst="rect">
+            <a:avLst/>
+          </a:prstGeom>
+          <a:noFill/>
+          <a:ln w="19050">
+            <a:solidFill>
+              <a:schemeClr val="accent6"/>
+            </a:solidFill>
+          </a:ln>
+        </p:spPr>
+        <p:style>
+          <a:lnRef idx="2">
+            <a:schemeClr val="accent1"/>
+          </a:lnRef>
+          <a:fillRef idx="1">
+            <a:schemeClr val="lt1"/>
+          </a:fillRef>
+          <a:effectRef idx="0">
+            <a:schemeClr val="accent1"/>
+          </a:effectRef>
+          <a:fontRef idx="minor">
+            <a:schemeClr val="dk1"/>
+          </a:fontRef>
+        </p:style>
+        <p:txBody>
+          <a:bodyPr rtlCol="0" anchor="ctr"/>
+          <a:lstStyle/>
+          <a:p>
+            <a:pPr algn="ctr"/>
+            <a:endParaRPr kumimoji="1" lang="ja-JP" altLang="en-US"/>
+          </a:p>
+        </p:txBody>
+      </p:sp>
+      <p:sp>
+        <p:nvSpPr>
+          <p:cNvPr id="93" name="テキスト ボックス 92">
+            <a:extLst>
+              <a:ext uri="{FF2B5EF4-FFF2-40B4-BE49-F238E27FC236}">
+                <a16:creationId xmlns:a16="http://schemas.microsoft.com/office/drawing/2014/main" id="{7F00D842-A440-6FEA-8D43-B92487B4021D}"/>
+              </a:ext>
+            </a:extLst>
+          </p:cNvPr>
+          <p:cNvSpPr txBox="1"/>
+          <p:nvPr/>
+        </p:nvSpPr>
+        <p:spPr>
+          <a:xfrm>
+            <a:off x="7457667" y="2247622"/>
+            <a:ext cx="1282723" cy="369332"/>
+          </a:xfrm>
+          <a:prstGeom prst="rect">
+            <a:avLst/>
+          </a:prstGeom>
+          <a:noFill/>
+        </p:spPr>
+        <p:txBody>
+          <a:bodyPr wrap="none" rtlCol="0">
+            <a:spAutoFit/>
+          </a:bodyPr>
+          <a:lstStyle/>
+          <a:p>
+            <a:r>
+              <a:rPr kumimoji="1" lang="en-US" altLang="ja-JP" dirty="0"/>
+              <a:t>Connector</a:t>
+            </a:r>
+            <a:endParaRPr kumimoji="1" lang="ja-JP" altLang="en-US" dirty="0"/>
+          </a:p>
+        </p:txBody>
+      </p:sp>
+      <p:cxnSp>
+        <p:nvCxnSpPr>
+          <p:cNvPr id="94" name="直線矢印コネクタ 93">
+            <a:extLst>
+              <a:ext uri="{FF2B5EF4-FFF2-40B4-BE49-F238E27FC236}">
+                <a16:creationId xmlns:a16="http://schemas.microsoft.com/office/drawing/2014/main" id="{DE25E7E6-7607-A0D5-2F14-8FFB36D0C94F}"/>
+              </a:ext>
+            </a:extLst>
+          </p:cNvPr>
+          <p:cNvCxnSpPr>
+            <a:cxnSpLocks/>
+          </p:cNvCxnSpPr>
+          <p:nvPr/>
+        </p:nvCxnSpPr>
+        <p:spPr>
+          <a:xfrm>
+            <a:off x="6149647" y="3021172"/>
+            <a:ext cx="3081361" cy="222"/>
+          </a:xfrm>
+          <a:prstGeom prst="straightConnector1">
+            <a:avLst/>
+          </a:prstGeom>
+          <a:ln w="25400">
+            <a:headEnd type="none" w="med" len="med"/>
+            <a:tailEnd type="arrow" w="med" len="med"/>
+          </a:ln>
+        </p:spPr>
+        <p:style>
+          <a:lnRef idx="2">
+            <a:schemeClr val="accent1"/>
+          </a:lnRef>
+          <a:fillRef idx="0">
+            <a:schemeClr val="accent1"/>
+          </a:fillRef>
+          <a:effectRef idx="1">
+            <a:schemeClr val="accent1"/>
+          </a:effectRef>
+          <a:fontRef idx="minor">
+            <a:schemeClr val="tx1"/>
+          </a:fontRef>
+        </p:style>
+      </p:cxnSp>
+      <p:pic>
+        <p:nvPicPr>
+          <p:cNvPr id="1044" name="Picture 20" descr="Microsoft Power Apps - Mac、Windows (PC) 用デスクトップアプリ - WebCatalog">
+            <a:extLst>
+              <a:ext uri="{FF2B5EF4-FFF2-40B4-BE49-F238E27FC236}">
+                <a16:creationId xmlns:a16="http://schemas.microsoft.com/office/drawing/2014/main" id="{B314750E-27E8-65C7-0BC7-191EC381578C}"/>
+              </a:ext>
+            </a:extLst>
+          </p:cNvPr>
+          <p:cNvPicPr>
+            <a:picLocks noChangeAspect="1" noChangeArrowheads="1"/>
+          </p:cNvPicPr>
+          <p:nvPr/>
+        </p:nvPicPr>
+        <p:blipFill>
+          <a:blip r:embed="rId22">
+            <a:extLst>
+              <a:ext uri="{28A0092B-C50C-407E-A947-70E740481C1C}">
+                <a14:useLocalDpi xmlns:a14="http://schemas.microsoft.com/office/drawing/2010/main" val="0"/>
+              </a:ext>
+            </a:extLst>
+          </a:blip>
+          <a:srcRect/>
+          <a:stretch>
+            <a:fillRect/>
+          </a:stretch>
+        </p:blipFill>
+        <p:spPr bwMode="auto">
+          <a:xfrm>
+            <a:off x="7669534" y="2633487"/>
+            <a:ext cx="751153" cy="751153"/>
+          </a:xfrm>
+          <a:prstGeom prst="rect">
+            <a:avLst/>
+          </a:prstGeom>
+          <a:noFill/>
+          <a:extLst>
+            <a:ext uri="{909E8E84-426E-40DD-AFC4-6F175D3DCCD1}">
+              <a14:hiddenFill xmlns:a14="http://schemas.microsoft.com/office/drawing/2010/main">
+                <a:solidFill>
+                  <a:srgbClr val="FFFFFF"/>
+                </a:solidFill>
+              </a14:hiddenFill>
+            </a:ext>
+          </a:extLst>
+        </p:spPr>
+      </p:pic>
+      <p:cxnSp>
+        <p:nvCxnSpPr>
+          <p:cNvPr id="95" name="直線矢印コネクタ 94">
+            <a:extLst>
+              <a:ext uri="{FF2B5EF4-FFF2-40B4-BE49-F238E27FC236}">
+                <a16:creationId xmlns:a16="http://schemas.microsoft.com/office/drawing/2014/main" id="{7C3ECC2C-3A73-CA81-FEA6-850216CB6AAF}"/>
+              </a:ext>
+            </a:extLst>
+          </p:cNvPr>
+          <p:cNvCxnSpPr>
+            <a:cxnSpLocks/>
+          </p:cNvCxnSpPr>
+          <p:nvPr/>
+        </p:nvCxnSpPr>
+        <p:spPr>
+          <a:xfrm>
+            <a:off x="6110479" y="4414866"/>
+            <a:ext cx="3081361" cy="222"/>
+          </a:xfrm>
+          <a:prstGeom prst="straightConnector1">
+            <a:avLst/>
+          </a:prstGeom>
+          <a:ln w="25400">
+            <a:headEnd type="none" w="med" len="med"/>
+            <a:tailEnd type="arrow" w="med" len="med"/>
+          </a:ln>
+        </p:spPr>
+        <p:style>
+          <a:lnRef idx="2">
+            <a:schemeClr val="accent1"/>
+          </a:lnRef>
+          <a:fillRef idx="0">
+            <a:schemeClr val="accent1"/>
+          </a:fillRef>
+          <a:effectRef idx="1">
+            <a:schemeClr val="accent1"/>
+          </a:effectRef>
+          <a:fontRef idx="minor">
+            <a:schemeClr val="tx1"/>
+          </a:fontRef>
+        </p:style>
+      </p:cxnSp>
+      <p:pic>
+        <p:nvPicPr>
+          <p:cNvPr id="92" name="グラフィックス 91">
+            <a:extLst>
+              <a:ext uri="{FF2B5EF4-FFF2-40B4-BE49-F238E27FC236}">
+                <a16:creationId xmlns:a16="http://schemas.microsoft.com/office/drawing/2014/main" id="{3C9EC3B5-51C4-A150-1DCD-0054A258C91E}"/>
+              </a:ext>
+            </a:extLst>
+          </p:cNvPr>
+          <p:cNvPicPr>
+            <a:picLocks noChangeAspect="1"/>
+          </p:cNvPicPr>
+          <p:nvPr/>
+        </p:nvPicPr>
+        <p:blipFill>
+          <a:blip r:embed="rId23">
+            <a:extLst>
+              <a:ext uri="{96DAC541-7B7A-43D3-8B79-37D633B846F1}">
+                <asvg:svgBlip xmlns:asvg="http://schemas.microsoft.com/office/drawing/2016/SVG/main" r:embed="rId24"/>
+              </a:ext>
+            </a:extLst>
+          </a:blip>
+          <a:stretch>
+            <a:fillRect/>
+          </a:stretch>
+        </p:blipFill>
+        <p:spPr>
+          <a:xfrm>
+            <a:off x="7678360" y="4073139"/>
+            <a:ext cx="651085" cy="651085"/>
+          </a:xfrm>
+          <a:prstGeom prst="rect">
+            <a:avLst/>
+          </a:prstGeom>
+        </p:spPr>
+      </p:pic>
+      <p:sp>
+        <p:nvSpPr>
+          <p:cNvPr id="96" name="テキスト ボックス 95">
+            <a:extLst>
+              <a:ext uri="{FF2B5EF4-FFF2-40B4-BE49-F238E27FC236}">
+                <a16:creationId xmlns:a16="http://schemas.microsoft.com/office/drawing/2014/main" id="{9C173D04-7121-22FF-400E-512A9B4B0C3F}"/>
+              </a:ext>
+            </a:extLst>
+          </p:cNvPr>
+          <p:cNvSpPr txBox="1"/>
+          <p:nvPr/>
+        </p:nvSpPr>
+        <p:spPr>
+          <a:xfrm>
+            <a:off x="7401562" y="4764688"/>
+            <a:ext cx="1394934" cy="369332"/>
+          </a:xfrm>
+          <a:prstGeom prst="rect">
+            <a:avLst/>
+          </a:prstGeom>
+          <a:noFill/>
+        </p:spPr>
+        <p:txBody>
+          <a:bodyPr wrap="none" rtlCol="0">
+            <a:spAutoFit/>
+          </a:bodyPr>
+          <a:lstStyle/>
+          <a:p>
+            <a:r>
+              <a:rPr kumimoji="1" lang="en-US" altLang="ja-JP" dirty="0"/>
+              <a:t>Bot Service</a:t>
+            </a:r>
+            <a:endParaRPr kumimoji="1" lang="ja-JP" altLang="en-US" dirty="0"/>
+          </a:p>
+        </p:txBody>
+      </p:sp>
+      <p:sp>
+        <p:nvSpPr>
+          <p:cNvPr id="97" name="正方形/長方形 96">
+            <a:extLst>
+              <a:ext uri="{FF2B5EF4-FFF2-40B4-BE49-F238E27FC236}">
+                <a16:creationId xmlns:a16="http://schemas.microsoft.com/office/drawing/2014/main" id="{6A6E8698-48CB-9BB7-AB44-6A3AD6358C4A}"/>
+              </a:ext>
+            </a:extLst>
+          </p:cNvPr>
+          <p:cNvSpPr/>
+          <p:nvPr/>
+        </p:nvSpPr>
+        <p:spPr>
+          <a:xfrm>
+            <a:off x="8917411" y="3671726"/>
+            <a:ext cx="3092658" cy="1628278"/>
+          </a:xfrm>
+          <a:prstGeom prst="rect">
+            <a:avLst/>
+          </a:prstGeom>
+          <a:noFill/>
+          <a:ln w="19050">
+            <a:solidFill>
+              <a:schemeClr val="accent6"/>
+            </a:solidFill>
+          </a:ln>
+        </p:spPr>
+        <p:style>
+          <a:lnRef idx="2">
+            <a:schemeClr val="accent1"/>
+          </a:lnRef>
+          <a:fillRef idx="1">
+            <a:schemeClr val="lt1"/>
+          </a:fillRef>
+          <a:effectRef idx="0">
+            <a:schemeClr val="accent1"/>
+          </a:effectRef>
+          <a:fontRef idx="minor">
+            <a:schemeClr val="dk1"/>
+          </a:fontRef>
+        </p:style>
+        <p:txBody>
+          <a:bodyPr rtlCol="0" anchor="ctr"/>
+          <a:lstStyle/>
+          <a:p>
+            <a:pPr algn="ctr"/>
+            <a:endParaRPr kumimoji="1" lang="ja-JP" altLang="en-US"/>
+          </a:p>
+        </p:txBody>
+      </p:sp>
+      <p:pic>
+        <p:nvPicPr>
+          <p:cNvPr id="1046" name="Picture 22" descr="Document a Spring Boot REST API with Swagger and Open API">
+            <a:extLst>
+              <a:ext uri="{FF2B5EF4-FFF2-40B4-BE49-F238E27FC236}">
+                <a16:creationId xmlns:a16="http://schemas.microsoft.com/office/drawing/2014/main" id="{98F3F489-938B-238B-8ACB-59DAF99DCFEB}"/>
+              </a:ext>
+            </a:extLst>
+          </p:cNvPr>
+          <p:cNvPicPr>
+            <a:picLocks noChangeAspect="1" noChangeArrowheads="1"/>
+          </p:cNvPicPr>
+          <p:nvPr/>
+        </p:nvPicPr>
+        <p:blipFill>
+          <a:blip r:embed="rId25">
+            <a:extLst>
+              <a:ext uri="{28A0092B-C50C-407E-A947-70E740481C1C}">
+                <a14:useLocalDpi xmlns:a14="http://schemas.microsoft.com/office/drawing/2010/main" val="0"/>
+              </a:ext>
+            </a:extLst>
+          </a:blip>
+          <a:srcRect/>
+          <a:stretch>
+            <a:fillRect/>
+          </a:stretch>
+        </p:blipFill>
+        <p:spPr bwMode="auto">
+          <a:xfrm>
+            <a:off x="9627008" y="2605550"/>
+            <a:ext cx="682866" cy="682866"/>
+          </a:xfrm>
+          <a:prstGeom prst="rect">
+            <a:avLst/>
+          </a:prstGeom>
+          <a:noFill/>
+          <a:extLst>
+            <a:ext uri="{909E8E84-426E-40DD-AFC4-6F175D3DCCD1}">
+              <a14:hiddenFill xmlns:a14="http://schemas.microsoft.com/office/drawing/2010/main">
+                <a:solidFill>
+                  <a:srgbClr val="FFFFFF"/>
+                </a:solidFill>
+              </a14:hiddenFill>
+            </a:ext>
+          </a:extLst>
+        </p:spPr>
+      </p:pic>
+      <p:pic>
+        <p:nvPicPr>
+          <p:cNvPr id="98" name="Graphic 46" descr="ソリッドフィル付きロボット">
+            <a:extLst>
+              <a:ext uri="{FF2B5EF4-FFF2-40B4-BE49-F238E27FC236}">
+                <a16:creationId xmlns:a16="http://schemas.microsoft.com/office/drawing/2014/main" id="{82FAF801-F032-9F0A-9DEB-D86AFC4C8E91}"/>
+              </a:ext>
+            </a:extLst>
+          </p:cNvPr>
+          <p:cNvPicPr>
+            <a:picLocks noChangeAspect="1"/>
+          </p:cNvPicPr>
+          <p:nvPr/>
+        </p:nvPicPr>
+        <p:blipFill>
+          <a:blip r:embed="rId26">
+            <a:extLst>
+              <a:ext uri="{96DAC541-7B7A-43D3-8B79-37D633B846F1}">
+                <asvg:svgBlip xmlns:asvg="http://schemas.microsoft.com/office/drawing/2016/SVG/main" r:embed="rId27"/>
+              </a:ext>
+            </a:extLst>
+          </a:blip>
+          <a:stretch>
+            <a:fillRect/>
+          </a:stretch>
+        </p:blipFill>
+        <p:spPr>
+          <a:xfrm>
+            <a:off x="9382478" y="3929898"/>
+            <a:ext cx="907007" cy="907007"/>
+          </a:xfrm>
+          <a:prstGeom prst="rect">
+            <a:avLst/>
+          </a:prstGeom>
+        </p:spPr>
+      </p:pic>
+      <p:sp>
+        <p:nvSpPr>
+          <p:cNvPr id="99" name="テキスト ボックス 98">
+            <a:extLst>
+              <a:ext uri="{FF2B5EF4-FFF2-40B4-BE49-F238E27FC236}">
+                <a16:creationId xmlns:a16="http://schemas.microsoft.com/office/drawing/2014/main" id="{8FE41A3E-3EA3-E37C-BA88-9676EB9BAC32}"/>
+              </a:ext>
+            </a:extLst>
+          </p:cNvPr>
+          <p:cNvSpPr txBox="1"/>
+          <p:nvPr/>
+        </p:nvSpPr>
+        <p:spPr>
+          <a:xfrm>
+            <a:off x="9347084" y="4773444"/>
+            <a:ext cx="1087157" cy="369332"/>
+          </a:xfrm>
+          <a:prstGeom prst="rect">
+            <a:avLst/>
+          </a:prstGeom>
+          <a:noFill/>
+        </p:spPr>
+        <p:txBody>
+          <a:bodyPr wrap="none" rtlCol="0">
+            <a:spAutoFit/>
+          </a:bodyPr>
+          <a:lstStyle/>
+          <a:p>
+            <a:r>
+              <a:rPr kumimoji="1" lang="en-US" altLang="ja-JP" dirty="0"/>
+              <a:t>AI</a:t>
+            </a:r>
+            <a:r>
+              <a:rPr kumimoji="1" lang="ja-JP" altLang="en-US" dirty="0"/>
+              <a:t> </a:t>
+            </a:r>
+            <a:r>
+              <a:rPr kumimoji="1" lang="en-US" altLang="ja-JP" dirty="0"/>
+              <a:t>Agent</a:t>
+            </a:r>
+            <a:endParaRPr kumimoji="1" lang="ja-JP" altLang="en-US" dirty="0"/>
+          </a:p>
+        </p:txBody>
+      </p:sp>
+      <p:sp>
+        <p:nvSpPr>
+          <p:cNvPr id="100" name="テキスト ボックス 99">
+            <a:extLst>
+              <a:ext uri="{FF2B5EF4-FFF2-40B4-BE49-F238E27FC236}">
+                <a16:creationId xmlns:a16="http://schemas.microsoft.com/office/drawing/2014/main" id="{2FCD7B7C-946A-B5E4-BB4F-7F1CA9F3455B}"/>
+              </a:ext>
+            </a:extLst>
+          </p:cNvPr>
+          <p:cNvSpPr txBox="1"/>
+          <p:nvPr/>
+        </p:nvSpPr>
+        <p:spPr>
+          <a:xfrm>
+            <a:off x="10678576" y="4777075"/>
+            <a:ext cx="965329" cy="369332"/>
+          </a:xfrm>
+          <a:prstGeom prst="rect">
+            <a:avLst/>
+          </a:prstGeom>
+          <a:noFill/>
+        </p:spPr>
+        <p:txBody>
+          <a:bodyPr wrap="none" rtlCol="0">
+            <a:spAutoFit/>
+          </a:bodyPr>
+          <a:lstStyle/>
+          <a:p>
+            <a:r>
+              <a:rPr lang="en-US" altLang="ja-JP" dirty="0"/>
+              <a:t>Models</a:t>
+            </a:r>
+            <a:endParaRPr kumimoji="1" lang="ja-JP" altLang="en-US" dirty="0"/>
+          </a:p>
+        </p:txBody>
+      </p:sp>
+      <p:cxnSp>
+        <p:nvCxnSpPr>
+          <p:cNvPr id="101" name="直線矢印コネクタ 100">
+            <a:extLst>
+              <a:ext uri="{FF2B5EF4-FFF2-40B4-BE49-F238E27FC236}">
+                <a16:creationId xmlns:a16="http://schemas.microsoft.com/office/drawing/2014/main" id="{947C89E9-E3FE-342D-8DCB-F1A8BA5C1AB3}"/>
+              </a:ext>
+            </a:extLst>
+          </p:cNvPr>
+          <p:cNvCxnSpPr>
+            <a:cxnSpLocks/>
+          </p:cNvCxnSpPr>
+          <p:nvPr/>
+        </p:nvCxnSpPr>
+        <p:spPr>
+          <a:xfrm flipV="1">
+            <a:off x="10466249" y="3272897"/>
+            <a:ext cx="0" cy="607828"/>
+          </a:xfrm>
+          <a:prstGeom prst="straightConnector1">
+            <a:avLst/>
+          </a:prstGeom>
+          <a:ln w="25400">
+            <a:headEnd type="none" w="med" len="med"/>
+            <a:tailEnd type="arrow" w="med" len="med"/>
+          </a:ln>
+        </p:spPr>
+        <p:style>
+          <a:lnRef idx="2">
+            <a:schemeClr val="accent1"/>
+          </a:lnRef>
+          <a:fillRef idx="0">
+            <a:schemeClr val="accent1"/>
+          </a:fillRef>
+          <a:effectRef idx="1">
+            <a:schemeClr val="accent1"/>
+          </a:effectRef>
+          <a:fontRef idx="minor">
+            <a:schemeClr val="tx1"/>
+          </a:fontRef>
+        </p:style>
+      </p:cxnSp>
+      <p:pic>
+        <p:nvPicPr>
+          <p:cNvPr id="48" name="Picture 8" descr="Visual Studio logo and symbol, meaning, history, PNG">
+            <a:extLst>
+              <a:ext uri="{FF2B5EF4-FFF2-40B4-BE49-F238E27FC236}">
+                <a16:creationId xmlns:a16="http://schemas.microsoft.com/office/drawing/2014/main" id="{CDEA78C0-C029-009D-6064-259059062347}"/>
+              </a:ext>
+            </a:extLst>
+          </p:cNvPr>
+          <p:cNvPicPr>
+            <a:picLocks noChangeAspect="1" noChangeArrowheads="1"/>
+          </p:cNvPicPr>
+          <p:nvPr/>
+        </p:nvPicPr>
+        <p:blipFill>
+          <a:blip r:embed="rId28">
+            <a:extLst>
+              <a:ext uri="{28A0092B-C50C-407E-A947-70E740481C1C}">
+                <a14:useLocalDpi xmlns:a14="http://schemas.microsoft.com/office/drawing/2010/main" val="0"/>
+              </a:ext>
+            </a:extLst>
+          </a:blip>
+          <a:srcRect/>
+          <a:stretch>
+            <a:fillRect/>
+          </a:stretch>
+        </p:blipFill>
+        <p:spPr bwMode="auto">
+          <a:xfrm>
+            <a:off x="8315632" y="5608368"/>
+            <a:ext cx="1114021" cy="696262"/>
+          </a:xfrm>
+          <a:prstGeom prst="rect">
+            <a:avLst/>
+          </a:prstGeom>
+          <a:noFill/>
+          <a:extLst>
+            <a:ext uri="{909E8E84-426E-40DD-AFC4-6F175D3DCCD1}">
+              <a14:hiddenFill xmlns:a14="http://schemas.microsoft.com/office/drawing/2010/main">
+                <a:solidFill>
+                  <a:srgbClr val="FFFFFF"/>
+                </a:solidFill>
+              </a14:hiddenFill>
+            </a:ext>
+          </a:extLst>
+        </p:spPr>
+      </p:pic>
+      <p:sp>
+        <p:nvSpPr>
+          <p:cNvPr id="50" name="テキスト ボックス 49">
+            <a:extLst>
+              <a:ext uri="{FF2B5EF4-FFF2-40B4-BE49-F238E27FC236}">
+                <a16:creationId xmlns:a16="http://schemas.microsoft.com/office/drawing/2014/main" id="{F59CC698-A558-54A7-F4DB-A4216FB78614}"/>
+              </a:ext>
+            </a:extLst>
+          </p:cNvPr>
+          <p:cNvSpPr txBox="1"/>
+          <p:nvPr/>
+        </p:nvSpPr>
+        <p:spPr>
+          <a:xfrm>
+            <a:off x="9296541" y="5754238"/>
+            <a:ext cx="1585690" cy="369332"/>
+          </a:xfrm>
+          <a:prstGeom prst="rect">
+            <a:avLst/>
+          </a:prstGeom>
+          <a:noFill/>
+        </p:spPr>
+        <p:txBody>
+          <a:bodyPr wrap="none" rtlCol="0">
+            <a:spAutoFit/>
+          </a:bodyPr>
+          <a:lstStyle/>
+          <a:p>
+            <a:r>
+              <a:rPr kumimoji="1" lang="en-US" altLang="ja-JP" dirty="0"/>
+              <a:t>Visual Studio</a:t>
+            </a:r>
+            <a:endParaRPr kumimoji="1" lang="ja-JP" altLang="en-US" dirty="0"/>
+          </a:p>
+        </p:txBody>
+      </p:sp>
+      <p:sp>
+        <p:nvSpPr>
+          <p:cNvPr id="103" name="正方形/長方形 102">
+            <a:extLst>
+              <a:ext uri="{FF2B5EF4-FFF2-40B4-BE49-F238E27FC236}">
+                <a16:creationId xmlns:a16="http://schemas.microsoft.com/office/drawing/2014/main" id="{E31ACC77-9E14-CBC4-2B7F-8E3B40DEBD1E}"/>
+              </a:ext>
+            </a:extLst>
+          </p:cNvPr>
+          <p:cNvSpPr/>
+          <p:nvPr/>
+        </p:nvSpPr>
+        <p:spPr>
+          <a:xfrm>
+            <a:off x="994210" y="5535166"/>
+            <a:ext cx="11015860" cy="852562"/>
+          </a:xfrm>
+          <a:prstGeom prst="rect">
+            <a:avLst/>
+          </a:prstGeom>
+          <a:noFill/>
+          <a:ln w="19050">
+            <a:solidFill>
+              <a:schemeClr val="accent6"/>
+            </a:solidFill>
+          </a:ln>
+        </p:spPr>
+        <p:style>
+          <a:lnRef idx="2">
+            <a:schemeClr val="accent1"/>
+          </a:lnRef>
+          <a:fillRef idx="1">
+            <a:schemeClr val="lt1"/>
+          </a:fillRef>
+          <a:effectRef idx="0">
+            <a:schemeClr val="accent1"/>
+          </a:effectRef>
+          <a:fontRef idx="minor">
+            <a:schemeClr val="dk1"/>
+          </a:fontRef>
+        </p:style>
+        <p:txBody>
+          <a:bodyPr rtlCol="0" anchor="ctr"/>
+          <a:lstStyle/>
+          <a:p>
+            <a:pPr algn="ctr"/>
+            <a:endParaRPr kumimoji="1" lang="ja-JP" altLang="en-US"/>
+          </a:p>
+        </p:txBody>
+      </p:sp>
+      <p:sp>
+        <p:nvSpPr>
+          <p:cNvPr id="104" name="テキスト ボックス 103">
+            <a:extLst>
+              <a:ext uri="{FF2B5EF4-FFF2-40B4-BE49-F238E27FC236}">
+                <a16:creationId xmlns:a16="http://schemas.microsoft.com/office/drawing/2014/main" id="{314C4CCD-95AF-3D26-0810-5FCE109B023C}"/>
+              </a:ext>
+            </a:extLst>
+          </p:cNvPr>
+          <p:cNvSpPr txBox="1"/>
+          <p:nvPr/>
+        </p:nvSpPr>
+        <p:spPr>
+          <a:xfrm>
+            <a:off x="2688183" y="5833096"/>
+            <a:ext cx="1689886" cy="369332"/>
+          </a:xfrm>
+          <a:prstGeom prst="rect">
+            <a:avLst/>
+          </a:prstGeom>
+          <a:noFill/>
+        </p:spPr>
+        <p:txBody>
+          <a:bodyPr wrap="none" rtlCol="0">
+            <a:spAutoFit/>
+          </a:bodyPr>
+          <a:lstStyle/>
+          <a:p>
+            <a:r>
+              <a:rPr kumimoji="1" lang="en-US" altLang="ja-JP" dirty="0"/>
+              <a:t>Copilot Studio</a:t>
+            </a:r>
+            <a:endParaRPr kumimoji="1" lang="ja-JP" altLang="en-US" dirty="0"/>
+          </a:p>
+        </p:txBody>
+      </p:sp>
+      <p:cxnSp>
+        <p:nvCxnSpPr>
+          <p:cNvPr id="105" name="直線矢印コネクタ 104">
+            <a:extLst>
+              <a:ext uri="{FF2B5EF4-FFF2-40B4-BE49-F238E27FC236}">
+                <a16:creationId xmlns:a16="http://schemas.microsoft.com/office/drawing/2014/main" id="{2EEC2F07-5D23-D4EA-A029-891E042D6C9B}"/>
+              </a:ext>
+            </a:extLst>
+          </p:cNvPr>
+          <p:cNvCxnSpPr>
+            <a:cxnSpLocks/>
+          </p:cNvCxnSpPr>
+          <p:nvPr/>
+        </p:nvCxnSpPr>
+        <p:spPr>
+          <a:xfrm>
+            <a:off x="2887439" y="3320353"/>
+            <a:ext cx="1079997" cy="222"/>
+          </a:xfrm>
+          <a:prstGeom prst="straightConnector1">
+            <a:avLst/>
+          </a:prstGeom>
+          <a:ln w="25400">
+            <a:headEnd type="none" w="med" len="med"/>
+            <a:tailEnd type="arrow" w="med" len="med"/>
+          </a:ln>
+        </p:spPr>
+        <p:style>
+          <a:lnRef idx="2">
+            <a:schemeClr val="accent1"/>
+          </a:lnRef>
+          <a:fillRef idx="0">
+            <a:schemeClr val="accent1"/>
+          </a:fillRef>
+          <a:effectRef idx="1">
+            <a:schemeClr val="accent1"/>
+          </a:effectRef>
+          <a:fontRef idx="minor">
+            <a:schemeClr val="tx1"/>
+          </a:fontRef>
+        </p:style>
+      </p:cxnSp>
+      <p:pic>
+        <p:nvPicPr>
+          <p:cNvPr id="1048" name="Picture 24" descr="microsoft365 · GitHub Topics · GitHub">
+            <a:extLst>
+              <a:ext uri="{FF2B5EF4-FFF2-40B4-BE49-F238E27FC236}">
+                <a16:creationId xmlns:a16="http://schemas.microsoft.com/office/drawing/2014/main" id="{3B7BCC93-C628-0F0A-5ADC-3AD390731357}"/>
+              </a:ext>
+            </a:extLst>
+          </p:cNvPr>
+          <p:cNvPicPr>
+            <a:picLocks noChangeAspect="1" noChangeArrowheads="1"/>
+          </p:cNvPicPr>
+          <p:nvPr/>
+        </p:nvPicPr>
+        <p:blipFill>
+          <a:blip r:embed="rId29">
+            <a:extLst>
+              <a:ext uri="{28A0092B-C50C-407E-A947-70E740481C1C}">
+                <a14:useLocalDpi xmlns:a14="http://schemas.microsoft.com/office/drawing/2010/main" val="0"/>
+              </a:ext>
+            </a:extLst>
+          </a:blip>
+          <a:srcRect/>
+          <a:stretch>
+            <a:fillRect/>
+          </a:stretch>
+        </p:blipFill>
+        <p:spPr bwMode="auto">
+          <a:xfrm>
+            <a:off x="5117945" y="5631735"/>
+            <a:ext cx="682866" cy="682866"/>
+          </a:xfrm>
+          <a:prstGeom prst="rect">
+            <a:avLst/>
+          </a:prstGeom>
+          <a:noFill/>
+          <a:extLst>
+            <a:ext uri="{909E8E84-426E-40DD-AFC4-6F175D3DCCD1}">
+              <a14:hiddenFill xmlns:a14="http://schemas.microsoft.com/office/drawing/2010/main">
+                <a:solidFill>
+                  <a:srgbClr val="FFFFFF"/>
+                </a:solidFill>
+              </a14:hiddenFill>
+            </a:ext>
+          </a:extLst>
+        </p:spPr>
+      </p:pic>
+      <p:sp>
+        <p:nvSpPr>
+          <p:cNvPr id="106" name="テキスト ボックス 105">
+            <a:extLst>
+              <a:ext uri="{FF2B5EF4-FFF2-40B4-BE49-F238E27FC236}">
+                <a16:creationId xmlns:a16="http://schemas.microsoft.com/office/drawing/2014/main" id="{8F101ABA-AFF7-429C-F9EE-00DB9F281E18}"/>
+              </a:ext>
+            </a:extLst>
+          </p:cNvPr>
+          <p:cNvSpPr txBox="1"/>
+          <p:nvPr/>
+        </p:nvSpPr>
+        <p:spPr>
+          <a:xfrm>
+            <a:off x="5986429" y="5658299"/>
+            <a:ext cx="1648208" cy="646331"/>
+          </a:xfrm>
+          <a:prstGeom prst="rect">
+            <a:avLst/>
+          </a:prstGeom>
+          <a:noFill/>
+        </p:spPr>
+        <p:txBody>
+          <a:bodyPr wrap="none" rtlCol="0">
+            <a:spAutoFit/>
+          </a:bodyPr>
+          <a:lstStyle/>
+          <a:p>
+            <a:r>
+              <a:rPr kumimoji="1" lang="en-US" altLang="ja-JP" dirty="0"/>
+              <a:t>Microsoft 365</a:t>
+            </a:r>
+            <a:br>
+              <a:rPr kumimoji="1" lang="en-US" altLang="ja-JP" dirty="0"/>
+            </a:br>
+            <a:r>
+              <a:rPr kumimoji="1" lang="en-US" altLang="ja-JP" dirty="0"/>
+              <a:t>Agents SDK</a:t>
+            </a:r>
+            <a:endParaRPr kumimoji="1" lang="ja-JP" altLang="en-US" dirty="0"/>
+          </a:p>
+        </p:txBody>
+      </p:sp>
+    </p:spTree>
+    <p:extLst>
+      <p:ext uri="{BB962C8B-B14F-4D97-AF65-F5344CB8AC3E}">
+        <p14:creationId xmlns:p14="http://schemas.microsoft.com/office/powerpoint/2010/main" val="2777730073"/>
+      </p:ext>
+    </p:extLst>
+  </p:cSld>
+  <p:clrMapOvr>
+    <a:masterClrMapping/>
+  </p:clrMapOvr>
+</p:sld>
+</file>
+
 <file path=ppt/slides/slide2.xml><?xml version="1.0" encoding="utf-8"?>
 <p:sld xmlns:a="http://schemas.openxmlformats.org/drawingml/2006/main" xmlns:r="http://schemas.openxmlformats.org/officeDocument/2006/relationships" xmlns:p="http://schemas.openxmlformats.org/presentationml/2006/main">
   <p:cSld>
@@ -5497,51 +7488,985 @@
       </p:grpSpPr>
       <p:sp>
         <p:nvSpPr>
-          <p:cNvPr id="2" name="タイトル 1">
-            <a:extLst>
-              <a:ext uri="{FF2B5EF4-FFF2-40B4-BE49-F238E27FC236}">
-                <a16:creationId xmlns:a16="http://schemas.microsoft.com/office/drawing/2014/main" id="{0921FC9D-C260-6F79-B089-29446C8D88BB}"/>
-              </a:ext>
-            </a:extLst>
-          </p:cNvPr>
-          <p:cNvSpPr>
-            <a:spLocks noGrp="1"/>
-          </p:cNvSpPr>
-          <p:nvPr>
-            <p:ph type="title"/>
-          </p:nvPr>
-        </p:nvSpPr>
-        <p:spPr/>
-        <p:txBody>
-          <a:bodyPr/>
-          <a:lstStyle/>
-          <a:p>
-            <a:endParaRPr kumimoji="1" lang="ja-JP" altLang="en-US"/>
-          </a:p>
-        </p:txBody>
-      </p:sp>
-      <p:sp>
-        <p:nvSpPr>
-          <p:cNvPr id="3" name="コンテンツ プレースホルダー 2">
-            <a:extLst>
-              <a:ext uri="{FF2B5EF4-FFF2-40B4-BE49-F238E27FC236}">
-                <a16:creationId xmlns:a16="http://schemas.microsoft.com/office/drawing/2014/main" id="{A47098F4-70B8-8696-D67D-61C44502040F}"/>
-              </a:ext>
-            </a:extLst>
-          </p:cNvPr>
-          <p:cNvSpPr>
-            <a:spLocks noGrp="1"/>
-          </p:cNvSpPr>
-          <p:nvPr>
-            <p:ph idx="1"/>
-          </p:nvPr>
-        </p:nvSpPr>
-        <p:spPr/>
-        <p:txBody>
-          <a:bodyPr/>
-          <a:lstStyle/>
-          <a:p>
-            <a:endParaRPr kumimoji="1" lang="ja-JP" altLang="en-US"/>
+          <p:cNvPr id="39" name="正方形/長方形 38">
+            <a:extLst>
+              <a:ext uri="{FF2B5EF4-FFF2-40B4-BE49-F238E27FC236}">
+                <a16:creationId xmlns:a16="http://schemas.microsoft.com/office/drawing/2014/main" id="{464CB729-D0DE-BE02-9D2F-338A071642FA}"/>
+              </a:ext>
+            </a:extLst>
+          </p:cNvPr>
+          <p:cNvSpPr/>
+          <p:nvPr/>
+        </p:nvSpPr>
+        <p:spPr>
+          <a:xfrm>
+            <a:off x="2042254" y="70932"/>
+            <a:ext cx="8425544" cy="4661808"/>
+          </a:xfrm>
+          <a:prstGeom prst="rect">
+            <a:avLst/>
+          </a:prstGeom>
+          <a:solidFill>
+            <a:schemeClr val="bg2"/>
+          </a:solidFill>
+          <a:ln>
+            <a:noFill/>
+          </a:ln>
+          <a:effectLst>
+            <a:outerShdw blurRad="50800" dist="38100" dir="2700000" algn="tl" rotWithShape="0">
+              <a:prstClr val="black">
+                <a:alpha val="40000"/>
+              </a:prstClr>
+            </a:outerShdw>
+          </a:effectLst>
+        </p:spPr>
+        <p:style>
+          <a:lnRef idx="2">
+            <a:schemeClr val="accent1">
+              <a:shade val="15000"/>
+            </a:schemeClr>
+          </a:lnRef>
+          <a:fillRef idx="1">
+            <a:schemeClr val="accent1"/>
+          </a:fillRef>
+          <a:effectRef idx="0">
+            <a:schemeClr val="accent1"/>
+          </a:effectRef>
+          <a:fontRef idx="minor">
+            <a:schemeClr val="lt1"/>
+          </a:fontRef>
+        </p:style>
+        <p:txBody>
+          <a:bodyPr rtlCol="0" anchor="ctr"/>
+          <a:lstStyle/>
+          <a:p>
+            <a:pPr algn="ctr"/>
+            <a:endParaRPr kumimoji="1" lang="ja-JP" altLang="en-US" dirty="0"/>
+          </a:p>
+        </p:txBody>
+      </p:sp>
+      <p:pic>
+        <p:nvPicPr>
+          <p:cNvPr id="4" name="Picture 8" descr="Visual Studio logo and symbol, meaning, history, PNG">
+            <a:extLst>
+              <a:ext uri="{FF2B5EF4-FFF2-40B4-BE49-F238E27FC236}">
+                <a16:creationId xmlns:a16="http://schemas.microsoft.com/office/drawing/2014/main" id="{87C874E4-40C1-43AD-A63D-9F913A03C353}"/>
+              </a:ext>
+            </a:extLst>
+          </p:cNvPr>
+          <p:cNvPicPr>
+            <a:picLocks noChangeAspect="1" noChangeArrowheads="1"/>
+          </p:cNvPicPr>
+          <p:nvPr/>
+        </p:nvPicPr>
+        <p:blipFill>
+          <a:blip r:embed="rId2">
+            <a:extLst>
+              <a:ext uri="{28A0092B-C50C-407E-A947-70E740481C1C}">
+                <a14:useLocalDpi xmlns:a14="http://schemas.microsoft.com/office/drawing/2010/main" val="0"/>
+              </a:ext>
+            </a:extLst>
+          </a:blip>
+          <a:srcRect/>
+          <a:stretch>
+            <a:fillRect/>
+          </a:stretch>
+        </p:blipFill>
+        <p:spPr bwMode="auto">
+          <a:xfrm>
+            <a:off x="6366351" y="3258503"/>
+            <a:ext cx="760891" cy="475556"/>
+          </a:xfrm>
+          <a:prstGeom prst="rect">
+            <a:avLst/>
+          </a:prstGeom>
+          <a:noFill/>
+          <a:extLst>
+            <a:ext uri="{909E8E84-426E-40DD-AFC4-6F175D3DCCD1}">
+              <a14:hiddenFill xmlns:a14="http://schemas.microsoft.com/office/drawing/2010/main">
+                <a:solidFill>
+                  <a:srgbClr val="FFFFFF"/>
+                </a:solidFill>
+              </a14:hiddenFill>
+            </a:ext>
+          </a:extLst>
+        </p:spPr>
+      </p:pic>
+      <p:sp>
+        <p:nvSpPr>
+          <p:cNvPr id="5" name="正方形/長方形 4">
+            <a:extLst>
+              <a:ext uri="{FF2B5EF4-FFF2-40B4-BE49-F238E27FC236}">
+                <a16:creationId xmlns:a16="http://schemas.microsoft.com/office/drawing/2014/main" id="{F86E5924-6134-67E6-74AF-4B9CE5E2FA8E}"/>
+              </a:ext>
+            </a:extLst>
+          </p:cNvPr>
+          <p:cNvSpPr/>
+          <p:nvPr/>
+        </p:nvSpPr>
+        <p:spPr>
+          <a:xfrm>
+            <a:off x="5817376" y="2857073"/>
+            <a:ext cx="4271946" cy="1183036"/>
+          </a:xfrm>
+          <a:prstGeom prst="rect">
+            <a:avLst/>
+          </a:prstGeom>
+          <a:noFill/>
+          <a:ln w="6350"/>
+        </p:spPr>
+        <p:style>
+          <a:lnRef idx="2">
+            <a:schemeClr val="accent1"/>
+          </a:lnRef>
+          <a:fillRef idx="1">
+            <a:schemeClr val="lt1"/>
+          </a:fillRef>
+          <a:effectRef idx="0">
+            <a:schemeClr val="accent1"/>
+          </a:effectRef>
+          <a:fontRef idx="minor">
+            <a:schemeClr val="dk1"/>
+          </a:fontRef>
+        </p:style>
+        <p:txBody>
+          <a:bodyPr rtlCol="0" anchor="ctr"/>
+          <a:lstStyle/>
+          <a:p>
+            <a:pPr algn="ctr"/>
+            <a:endParaRPr kumimoji="1" lang="ja-JP" altLang="en-US" dirty="0"/>
+          </a:p>
+        </p:txBody>
+      </p:sp>
+      <p:pic>
+        <p:nvPicPr>
+          <p:cNvPr id="6" name="図 5" descr="アイコン&#10;&#10;AI 生成コンテンツは誤りを含む可能性があります。">
+            <a:extLst>
+              <a:ext uri="{FF2B5EF4-FFF2-40B4-BE49-F238E27FC236}">
+                <a16:creationId xmlns:a16="http://schemas.microsoft.com/office/drawing/2014/main" id="{466F6BC2-AC29-CF3D-E74A-9E0906FCA740}"/>
+              </a:ext>
+            </a:extLst>
+          </p:cNvPr>
+          <p:cNvPicPr>
+            <a:picLocks noChangeAspect="1"/>
+          </p:cNvPicPr>
+          <p:nvPr/>
+        </p:nvPicPr>
+        <p:blipFill>
+          <a:blip r:embed="rId3"/>
+          <a:stretch>
+            <a:fillRect/>
+          </a:stretch>
+        </p:blipFill>
+        <p:spPr>
+          <a:xfrm>
+            <a:off x="9329490" y="3208286"/>
+            <a:ext cx="425030" cy="480610"/>
+          </a:xfrm>
+          <a:prstGeom prst="rect">
+            <a:avLst/>
+          </a:prstGeom>
+        </p:spPr>
+      </p:pic>
+      <p:pic>
+        <p:nvPicPr>
+          <p:cNvPr id="7" name="Picture 8" descr="Visual Studio logo and symbol, meaning, history, PNG">
+            <a:extLst>
+              <a:ext uri="{FF2B5EF4-FFF2-40B4-BE49-F238E27FC236}">
+                <a16:creationId xmlns:a16="http://schemas.microsoft.com/office/drawing/2014/main" id="{9A4FC01E-62D9-646F-1209-E4F420B63E5A}"/>
+              </a:ext>
+            </a:extLst>
+          </p:cNvPr>
+          <p:cNvPicPr>
+            <a:picLocks noChangeAspect="1" noChangeArrowheads="1"/>
+          </p:cNvPicPr>
+          <p:nvPr/>
+        </p:nvPicPr>
+        <p:blipFill>
+          <a:blip r:embed="rId2">
+            <a:extLst>
+              <a:ext uri="{28A0092B-C50C-407E-A947-70E740481C1C}">
+                <a14:useLocalDpi xmlns:a14="http://schemas.microsoft.com/office/drawing/2010/main" val="0"/>
+              </a:ext>
+            </a:extLst>
+          </a:blip>
+          <a:srcRect/>
+          <a:stretch>
+            <a:fillRect/>
+          </a:stretch>
+        </p:blipFill>
+        <p:spPr bwMode="auto">
+          <a:xfrm>
+            <a:off x="6366351" y="1338430"/>
+            <a:ext cx="760891" cy="475556"/>
+          </a:xfrm>
+          <a:prstGeom prst="rect">
+            <a:avLst/>
+          </a:prstGeom>
+          <a:noFill/>
+          <a:extLst>
+            <a:ext uri="{909E8E84-426E-40DD-AFC4-6F175D3DCCD1}">
+              <a14:hiddenFill xmlns:a14="http://schemas.microsoft.com/office/drawing/2010/main">
+                <a:solidFill>
+                  <a:srgbClr val="FFFFFF"/>
+                </a:solidFill>
+              </a14:hiddenFill>
+            </a:ext>
+          </a:extLst>
+        </p:spPr>
+      </p:pic>
+      <p:pic>
+        <p:nvPicPr>
+          <p:cNvPr id="9" name="図 8" descr="屋内, 電子機器, 座る, テーブル が含まれている画像&#10;&#10;AI 生成コンテンツは誤りを含む可能性があります。">
+            <a:extLst>
+              <a:ext uri="{FF2B5EF4-FFF2-40B4-BE49-F238E27FC236}">
+                <a16:creationId xmlns:a16="http://schemas.microsoft.com/office/drawing/2014/main" id="{A66EF461-F903-0AC3-777E-77614D5E2730}"/>
+              </a:ext>
+            </a:extLst>
+          </p:cNvPr>
+          <p:cNvPicPr>
+            <a:picLocks noChangeAspect="1"/>
+          </p:cNvPicPr>
+          <p:nvPr/>
+        </p:nvPicPr>
+        <p:blipFill>
+          <a:blip r:embed="rId4">
+            <a:extLst>
+              <a:ext uri="{28A0092B-C50C-407E-A947-70E740481C1C}">
+                <a14:useLocalDpi xmlns:a14="http://schemas.microsoft.com/office/drawing/2010/main" val="0"/>
+              </a:ext>
+            </a:extLst>
+          </a:blip>
+          <a:stretch>
+            <a:fillRect/>
+          </a:stretch>
+        </p:blipFill>
+        <p:spPr>
+          <a:xfrm>
+            <a:off x="5386932" y="3496281"/>
+            <a:ext cx="760892" cy="861948"/>
+          </a:xfrm>
+          <a:prstGeom prst="rect">
+            <a:avLst/>
+          </a:prstGeom>
+        </p:spPr>
+      </p:pic>
+      <p:sp>
+        <p:nvSpPr>
+          <p:cNvPr id="10" name="テキスト ボックス 9">
+            <a:extLst>
+              <a:ext uri="{FF2B5EF4-FFF2-40B4-BE49-F238E27FC236}">
+                <a16:creationId xmlns:a16="http://schemas.microsoft.com/office/drawing/2014/main" id="{981DC01A-6470-0868-D461-F7B9EAF62121}"/>
+              </a:ext>
+            </a:extLst>
+          </p:cNvPr>
+          <p:cNvSpPr txBox="1"/>
+          <p:nvPr/>
+        </p:nvSpPr>
+        <p:spPr>
+          <a:xfrm>
+            <a:off x="9153884" y="3710614"/>
+            <a:ext cx="936475" cy="307777"/>
+          </a:xfrm>
+          <a:prstGeom prst="rect">
+            <a:avLst/>
+          </a:prstGeom>
+          <a:noFill/>
+        </p:spPr>
+        <p:txBody>
+          <a:bodyPr wrap="none" rtlCol="0">
+            <a:spAutoFit/>
+          </a:bodyPr>
+          <a:lstStyle/>
+          <a:p>
+            <a:r>
+              <a:rPr lang="en-US" altLang="ja-JP" sz="1400" dirty="0"/>
+              <a:t>ASP.NET</a:t>
+            </a:r>
+            <a:endParaRPr kumimoji="1" lang="ja-JP" altLang="en-US" sz="1400" dirty="0"/>
+          </a:p>
+        </p:txBody>
+      </p:sp>
+      <p:sp>
+        <p:nvSpPr>
+          <p:cNvPr id="12" name="テキスト ボックス 11">
+            <a:extLst>
+              <a:ext uri="{FF2B5EF4-FFF2-40B4-BE49-F238E27FC236}">
+                <a16:creationId xmlns:a16="http://schemas.microsoft.com/office/drawing/2014/main" id="{948F8F60-4B60-9B4D-7D2F-C8C083BFFFC8}"/>
+              </a:ext>
+            </a:extLst>
+          </p:cNvPr>
+          <p:cNvSpPr txBox="1"/>
+          <p:nvPr/>
+        </p:nvSpPr>
+        <p:spPr>
+          <a:xfrm>
+            <a:off x="6970389" y="2343394"/>
+            <a:ext cx="1079142" cy="307777"/>
+          </a:xfrm>
+          <a:prstGeom prst="rect">
+            <a:avLst/>
+          </a:prstGeom>
+          <a:noFill/>
+        </p:spPr>
+        <p:txBody>
+          <a:bodyPr wrap="none" rtlCol="0">
+            <a:spAutoFit/>
+          </a:bodyPr>
+          <a:lstStyle/>
+          <a:p>
+            <a:r>
+              <a:rPr lang="en-US" altLang="ja-JP" sz="1400" dirty="0" err="1"/>
+              <a:t>DevTunnel</a:t>
+            </a:r>
+            <a:endParaRPr kumimoji="1" lang="ja-JP" altLang="en-US" sz="1400" dirty="0"/>
+          </a:p>
+        </p:txBody>
+      </p:sp>
+      <p:pic>
+        <p:nvPicPr>
+          <p:cNvPr id="16" name="グラフィックス 15">
+            <a:extLst>
+              <a:ext uri="{FF2B5EF4-FFF2-40B4-BE49-F238E27FC236}">
+                <a16:creationId xmlns:a16="http://schemas.microsoft.com/office/drawing/2014/main" id="{5BFCE99B-B714-965F-DB64-1BF470E1E691}"/>
+              </a:ext>
+            </a:extLst>
+          </p:cNvPr>
+          <p:cNvPicPr>
+            <a:picLocks noChangeAspect="1"/>
+          </p:cNvPicPr>
+          <p:nvPr/>
+        </p:nvPicPr>
+        <p:blipFill>
+          <a:blip r:embed="rId5">
+            <a:extLst>
+              <a:ext uri="{96DAC541-7B7A-43D3-8B79-37D633B846F1}">
+                <asvg:svgBlip xmlns:asvg="http://schemas.microsoft.com/office/drawing/2016/SVG/main" r:embed="rId6"/>
+              </a:ext>
+            </a:extLst>
+          </a:blip>
+          <a:stretch>
+            <a:fillRect/>
+          </a:stretch>
+        </p:blipFill>
+        <p:spPr>
+          <a:xfrm>
+            <a:off x="2807981" y="1353858"/>
+            <a:ext cx="444699" cy="444699"/>
+          </a:xfrm>
+          <a:prstGeom prst="rect">
+            <a:avLst/>
+          </a:prstGeom>
+        </p:spPr>
+      </p:pic>
+      <p:cxnSp>
+        <p:nvCxnSpPr>
+          <p:cNvPr id="18" name="直線矢印コネクタ 17">
+            <a:extLst>
+              <a:ext uri="{FF2B5EF4-FFF2-40B4-BE49-F238E27FC236}">
+                <a16:creationId xmlns:a16="http://schemas.microsoft.com/office/drawing/2014/main" id="{EE94C573-75FC-42CC-A2AA-C97EA8BCF1F2}"/>
+              </a:ext>
+            </a:extLst>
+          </p:cNvPr>
+          <p:cNvCxnSpPr/>
+          <p:nvPr/>
+        </p:nvCxnSpPr>
+        <p:spPr>
+          <a:xfrm>
+            <a:off x="3375876" y="1576207"/>
+            <a:ext cx="3143206" cy="0"/>
+          </a:xfrm>
+          <a:prstGeom prst="straightConnector1">
+            <a:avLst/>
+          </a:prstGeom>
+          <a:ln>
+            <a:solidFill>
+              <a:srgbClr val="EE0000"/>
+            </a:solidFill>
+            <a:prstDash val="solid"/>
+            <a:headEnd type="none" w="med" len="med"/>
+            <a:tailEnd type="arrow" w="med" len="med"/>
+          </a:ln>
+        </p:spPr>
+        <p:style>
+          <a:lnRef idx="2">
+            <a:schemeClr val="accent1"/>
+          </a:lnRef>
+          <a:fillRef idx="0">
+            <a:schemeClr val="accent1"/>
+          </a:fillRef>
+          <a:effectRef idx="1">
+            <a:schemeClr val="accent1"/>
+          </a:effectRef>
+          <a:fontRef idx="minor">
+            <a:schemeClr val="tx1"/>
+          </a:fontRef>
+        </p:style>
+      </p:cxnSp>
+      <p:sp>
+        <p:nvSpPr>
+          <p:cNvPr id="19" name="テキスト ボックス 18">
+            <a:extLst>
+              <a:ext uri="{FF2B5EF4-FFF2-40B4-BE49-F238E27FC236}">
+                <a16:creationId xmlns:a16="http://schemas.microsoft.com/office/drawing/2014/main" id="{A11AE1DF-A410-E7B9-63C7-43A835C7FE4D}"/>
+              </a:ext>
+            </a:extLst>
+          </p:cNvPr>
+          <p:cNvSpPr txBox="1"/>
+          <p:nvPr/>
+        </p:nvSpPr>
+        <p:spPr>
+          <a:xfrm>
+            <a:off x="6107374" y="4065490"/>
+            <a:ext cx="902811" cy="307777"/>
+          </a:xfrm>
+          <a:prstGeom prst="rect">
+            <a:avLst/>
+          </a:prstGeom>
+          <a:noFill/>
+        </p:spPr>
+        <p:txBody>
+          <a:bodyPr wrap="none" rtlCol="0">
+            <a:spAutoFit/>
+          </a:bodyPr>
+          <a:lstStyle/>
+          <a:p>
+            <a:r>
+              <a:rPr lang="ja-JP" altLang="en-US" sz="1400" dirty="0"/>
+              <a:t>開発端末</a:t>
+            </a:r>
+            <a:endParaRPr kumimoji="1" lang="ja-JP" altLang="en-US" sz="1400" dirty="0"/>
+          </a:p>
+        </p:txBody>
+      </p:sp>
+      <p:cxnSp>
+        <p:nvCxnSpPr>
+          <p:cNvPr id="20" name="直線矢印コネクタ 19">
+            <a:extLst>
+              <a:ext uri="{FF2B5EF4-FFF2-40B4-BE49-F238E27FC236}">
+                <a16:creationId xmlns:a16="http://schemas.microsoft.com/office/drawing/2014/main" id="{7CF8FF47-6F90-3B37-B894-0AB8CA5E48E6}"/>
+              </a:ext>
+            </a:extLst>
+          </p:cNvPr>
+          <p:cNvCxnSpPr>
+            <a:cxnSpLocks/>
+          </p:cNvCxnSpPr>
+          <p:nvPr/>
+        </p:nvCxnSpPr>
+        <p:spPr>
+          <a:xfrm flipH="1">
+            <a:off x="6746797" y="1817990"/>
+            <a:ext cx="12786" cy="1554333"/>
+          </a:xfrm>
+          <a:prstGeom prst="straightConnector1">
+            <a:avLst/>
+          </a:prstGeom>
+          <a:ln>
+            <a:solidFill>
+              <a:srgbClr val="EE0000"/>
+            </a:solidFill>
+            <a:prstDash val="solid"/>
+            <a:headEnd type="none" w="med" len="med"/>
+            <a:tailEnd type="arrow" w="med" len="med"/>
+          </a:ln>
+        </p:spPr>
+        <p:style>
+          <a:lnRef idx="2">
+            <a:schemeClr val="accent1"/>
+          </a:lnRef>
+          <a:fillRef idx="0">
+            <a:schemeClr val="accent1"/>
+          </a:fillRef>
+          <a:effectRef idx="1">
+            <a:schemeClr val="accent1"/>
+          </a:effectRef>
+          <a:fontRef idx="minor">
+            <a:schemeClr val="tx1"/>
+          </a:fontRef>
+        </p:style>
+      </p:cxnSp>
+      <p:cxnSp>
+        <p:nvCxnSpPr>
+          <p:cNvPr id="22" name="直線矢印コネクタ 21">
+            <a:extLst>
+              <a:ext uri="{FF2B5EF4-FFF2-40B4-BE49-F238E27FC236}">
+                <a16:creationId xmlns:a16="http://schemas.microsoft.com/office/drawing/2014/main" id="{5C62F334-39DC-BF3D-BC77-20986FE5A0F6}"/>
+              </a:ext>
+            </a:extLst>
+          </p:cNvPr>
+          <p:cNvCxnSpPr>
+            <a:cxnSpLocks/>
+          </p:cNvCxnSpPr>
+          <p:nvPr/>
+        </p:nvCxnSpPr>
+        <p:spPr>
+          <a:xfrm>
+            <a:off x="7044624" y="3464089"/>
+            <a:ext cx="2216045" cy="144"/>
+          </a:xfrm>
+          <a:prstGeom prst="straightConnector1">
+            <a:avLst/>
+          </a:prstGeom>
+          <a:ln>
+            <a:solidFill>
+              <a:srgbClr val="EE0000"/>
+            </a:solidFill>
+            <a:prstDash val="solid"/>
+            <a:headEnd type="none" w="med" len="med"/>
+            <a:tailEnd type="arrow" w="med" len="med"/>
+          </a:ln>
+        </p:spPr>
+        <p:style>
+          <a:lnRef idx="2">
+            <a:schemeClr val="accent1"/>
+          </a:lnRef>
+          <a:fillRef idx="0">
+            <a:schemeClr val="accent1"/>
+          </a:fillRef>
+          <a:effectRef idx="1">
+            <a:schemeClr val="accent1"/>
+          </a:effectRef>
+          <a:fontRef idx="minor">
+            <a:schemeClr val="tx1"/>
+          </a:fontRef>
+        </p:style>
+      </p:cxnSp>
+      <p:sp>
+        <p:nvSpPr>
+          <p:cNvPr id="25" name="テキスト ボックス 24">
+            <a:extLst>
+              <a:ext uri="{FF2B5EF4-FFF2-40B4-BE49-F238E27FC236}">
+                <a16:creationId xmlns:a16="http://schemas.microsoft.com/office/drawing/2014/main" id="{D9FF43B4-1AC2-3AB1-65AF-E4795B792E88}"/>
+              </a:ext>
+            </a:extLst>
+          </p:cNvPr>
+          <p:cNvSpPr txBox="1"/>
+          <p:nvPr/>
+        </p:nvSpPr>
+        <p:spPr>
+          <a:xfrm>
+            <a:off x="2318481" y="1865409"/>
+            <a:ext cx="1651414" cy="307777"/>
+          </a:xfrm>
+          <a:prstGeom prst="rect">
+            <a:avLst/>
+          </a:prstGeom>
+          <a:noFill/>
+        </p:spPr>
+        <p:txBody>
+          <a:bodyPr wrap="none" rtlCol="0">
+            <a:spAutoFit/>
+          </a:bodyPr>
+          <a:lstStyle/>
+          <a:p>
+            <a:r>
+              <a:rPr lang="en-US" altLang="ja-JP" sz="1400" dirty="0"/>
+              <a:t>Azure Bot</a:t>
+            </a:r>
+            <a:r>
+              <a:rPr lang="ja-JP" altLang="en-US" sz="1400" dirty="0"/>
+              <a:t> </a:t>
+            </a:r>
+            <a:r>
+              <a:rPr lang="en-US" altLang="ja-JP" sz="1400" dirty="0"/>
+              <a:t>Service</a:t>
+            </a:r>
+          </a:p>
+        </p:txBody>
+      </p:sp>
+      <p:pic>
+        <p:nvPicPr>
+          <p:cNvPr id="26" name="Picture 20" descr="Microsoft Entra ID - Wikipedia">
+            <a:extLst>
+              <a:ext uri="{FF2B5EF4-FFF2-40B4-BE49-F238E27FC236}">
+                <a16:creationId xmlns:a16="http://schemas.microsoft.com/office/drawing/2014/main" id="{1C174010-CBEC-59B0-A0C0-0F87D88A9A3A}"/>
+              </a:ext>
+            </a:extLst>
+          </p:cNvPr>
+          <p:cNvPicPr>
+            <a:picLocks noChangeAspect="1" noChangeArrowheads="1"/>
+          </p:cNvPicPr>
+          <p:nvPr/>
+        </p:nvPicPr>
+        <p:blipFill>
+          <a:blip r:embed="rId7">
+            <a:extLst>
+              <a:ext uri="{28A0092B-C50C-407E-A947-70E740481C1C}">
+                <a14:useLocalDpi xmlns:a14="http://schemas.microsoft.com/office/drawing/2010/main" val="0"/>
+              </a:ext>
+            </a:extLst>
+          </a:blip>
+          <a:srcRect/>
+          <a:stretch>
+            <a:fillRect/>
+          </a:stretch>
+        </p:blipFill>
+        <p:spPr bwMode="auto">
+          <a:xfrm>
+            <a:off x="6970389" y="141145"/>
+            <a:ext cx="475556" cy="475556"/>
+          </a:xfrm>
+          <a:prstGeom prst="rect">
+            <a:avLst/>
+          </a:prstGeom>
+          <a:noFill/>
+          <a:extLst>
+            <a:ext uri="{909E8E84-426E-40DD-AFC4-6F175D3DCCD1}">
+              <a14:hiddenFill xmlns:a14="http://schemas.microsoft.com/office/drawing/2010/main">
+                <a:solidFill>
+                  <a:srgbClr val="FFFFFF"/>
+                </a:solidFill>
+              </a14:hiddenFill>
+            </a:ext>
+          </a:extLst>
+        </p:spPr>
+      </p:pic>
+      <p:sp>
+        <p:nvSpPr>
+          <p:cNvPr id="27" name="テキスト ボックス 26">
+            <a:extLst>
+              <a:ext uri="{FF2B5EF4-FFF2-40B4-BE49-F238E27FC236}">
+                <a16:creationId xmlns:a16="http://schemas.microsoft.com/office/drawing/2014/main" id="{0DCE4122-0069-6A05-C4A2-17F3F9606B30}"/>
+              </a:ext>
+            </a:extLst>
+          </p:cNvPr>
+          <p:cNvSpPr txBox="1"/>
+          <p:nvPr/>
+        </p:nvSpPr>
+        <p:spPr>
+          <a:xfrm>
+            <a:off x="6856165" y="603882"/>
+            <a:ext cx="865943" cy="307777"/>
+          </a:xfrm>
+          <a:prstGeom prst="rect">
+            <a:avLst/>
+          </a:prstGeom>
+          <a:noFill/>
+        </p:spPr>
+        <p:txBody>
+          <a:bodyPr wrap="none" rtlCol="0">
+            <a:spAutoFit/>
+          </a:bodyPr>
+          <a:lstStyle/>
+          <a:p>
+            <a:r>
+              <a:rPr kumimoji="1" lang="en-US" altLang="ja-JP" sz="1400" dirty="0"/>
+              <a:t>Entra ID</a:t>
+            </a:r>
+            <a:endParaRPr kumimoji="1" lang="ja-JP" altLang="en-US" sz="1400" dirty="0"/>
+          </a:p>
+        </p:txBody>
+      </p:sp>
+      <p:cxnSp>
+        <p:nvCxnSpPr>
+          <p:cNvPr id="29" name="コネクタ: カギ線 28">
+            <a:extLst>
+              <a:ext uri="{FF2B5EF4-FFF2-40B4-BE49-F238E27FC236}">
+                <a16:creationId xmlns:a16="http://schemas.microsoft.com/office/drawing/2014/main" id="{F39021BF-333E-A833-A4A8-C1611A0E4DF9}"/>
+              </a:ext>
+            </a:extLst>
+          </p:cNvPr>
+          <p:cNvCxnSpPr>
+            <a:stCxn id="16" idx="0"/>
+            <a:endCxn id="26" idx="1"/>
+          </p:cNvCxnSpPr>
+          <p:nvPr/>
+        </p:nvCxnSpPr>
+        <p:spPr>
+          <a:xfrm rot="5400000" flipH="1" flipV="1">
+            <a:off x="4512893" y="-1103638"/>
+            <a:ext cx="974935" cy="3940058"/>
+          </a:xfrm>
+          <a:prstGeom prst="bentConnector2">
+            <a:avLst/>
+          </a:prstGeom>
+          <a:ln>
+            <a:solidFill>
+              <a:schemeClr val="tx2"/>
+            </a:solidFill>
+            <a:prstDash val="sysDot"/>
+          </a:ln>
+        </p:spPr>
+        <p:style>
+          <a:lnRef idx="2">
+            <a:schemeClr val="accent1"/>
+          </a:lnRef>
+          <a:fillRef idx="0">
+            <a:schemeClr val="accent1"/>
+          </a:fillRef>
+          <a:effectRef idx="1">
+            <a:schemeClr val="accent1"/>
+          </a:effectRef>
+          <a:fontRef idx="minor">
+            <a:schemeClr val="tx1"/>
+          </a:fontRef>
+        </p:style>
+      </p:cxnSp>
+      <p:cxnSp>
+        <p:nvCxnSpPr>
+          <p:cNvPr id="30" name="コネクタ: カギ線 29">
+            <a:extLst>
+              <a:ext uri="{FF2B5EF4-FFF2-40B4-BE49-F238E27FC236}">
+                <a16:creationId xmlns:a16="http://schemas.microsoft.com/office/drawing/2014/main" id="{0B2C10F5-6E28-F0D4-898D-40E9336912E6}"/>
+              </a:ext>
+            </a:extLst>
+          </p:cNvPr>
+          <p:cNvCxnSpPr>
+            <a:cxnSpLocks/>
+            <a:stCxn id="6" idx="0"/>
+            <a:endCxn id="26" idx="3"/>
+          </p:cNvCxnSpPr>
+          <p:nvPr/>
+        </p:nvCxnSpPr>
+        <p:spPr>
+          <a:xfrm rot="16200000" flipV="1">
+            <a:off x="7079294" y="745575"/>
+            <a:ext cx="2829363" cy="2096060"/>
+          </a:xfrm>
+          <a:prstGeom prst="bentConnector2">
+            <a:avLst/>
+          </a:prstGeom>
+          <a:ln>
+            <a:solidFill>
+              <a:schemeClr val="tx2"/>
+            </a:solidFill>
+            <a:prstDash val="sysDot"/>
+          </a:ln>
+        </p:spPr>
+        <p:style>
+          <a:lnRef idx="2">
+            <a:schemeClr val="accent1"/>
+          </a:lnRef>
+          <a:fillRef idx="0">
+            <a:schemeClr val="accent1"/>
+          </a:fillRef>
+          <a:effectRef idx="1">
+            <a:schemeClr val="accent1"/>
+          </a:effectRef>
+          <a:fontRef idx="minor">
+            <a:schemeClr val="tx1"/>
+          </a:fontRef>
+        </p:style>
+      </p:cxnSp>
+      <p:sp>
+        <p:nvSpPr>
+          <p:cNvPr id="11" name="円柱 10">
+            <a:extLst>
+              <a:ext uri="{FF2B5EF4-FFF2-40B4-BE49-F238E27FC236}">
+                <a16:creationId xmlns:a16="http://schemas.microsoft.com/office/drawing/2014/main" id="{9F485BA9-38EC-56B9-D24F-7807B9E152B0}"/>
+              </a:ext>
+            </a:extLst>
+          </p:cNvPr>
+          <p:cNvSpPr/>
+          <p:nvPr/>
+        </p:nvSpPr>
+        <p:spPr>
+          <a:xfrm>
+            <a:off x="6575612" y="1950814"/>
+            <a:ext cx="336176" cy="1074310"/>
+          </a:xfrm>
+          <a:prstGeom prst="can">
+            <a:avLst/>
+          </a:prstGeom>
+        </p:spPr>
+        <p:style>
+          <a:lnRef idx="1">
+            <a:schemeClr val="accent6"/>
+          </a:lnRef>
+          <a:fillRef idx="2">
+            <a:schemeClr val="accent6"/>
+          </a:fillRef>
+          <a:effectRef idx="1">
+            <a:schemeClr val="accent6"/>
+          </a:effectRef>
+          <a:fontRef idx="minor">
+            <a:schemeClr val="dk1"/>
+          </a:fontRef>
+        </p:style>
+        <p:txBody>
+          <a:bodyPr rtlCol="0" anchor="ctr"/>
+          <a:lstStyle/>
+          <a:p>
+            <a:pPr algn="ctr"/>
+            <a:endParaRPr kumimoji="1" lang="ja-JP" altLang="en-US" dirty="0"/>
+          </a:p>
+        </p:txBody>
+      </p:sp>
+      <p:sp>
+        <p:nvSpPr>
+          <p:cNvPr id="33" name="テキスト ボックス 32">
+            <a:extLst>
+              <a:ext uri="{FF2B5EF4-FFF2-40B4-BE49-F238E27FC236}">
+                <a16:creationId xmlns:a16="http://schemas.microsoft.com/office/drawing/2014/main" id="{37166291-B287-3FA4-CF9E-A9997A4E2F6A}"/>
+              </a:ext>
+            </a:extLst>
+          </p:cNvPr>
+          <p:cNvSpPr txBox="1"/>
+          <p:nvPr/>
+        </p:nvSpPr>
+        <p:spPr>
+          <a:xfrm>
+            <a:off x="7484987" y="3239844"/>
+            <a:ext cx="1689886" cy="461665"/>
+          </a:xfrm>
+          <a:prstGeom prst="rect">
+            <a:avLst/>
+          </a:prstGeom>
+          <a:noFill/>
+        </p:spPr>
+        <p:txBody>
+          <a:bodyPr wrap="none" rtlCol="0">
+            <a:spAutoFit/>
+          </a:bodyPr>
+          <a:lstStyle/>
+          <a:p>
+            <a:pPr algn="r"/>
+            <a:r>
+              <a:rPr lang="en-US" altLang="ja-JP" sz="1200" dirty="0"/>
+              <a:t>http://localhost:5130</a:t>
+            </a:r>
+            <a:br>
+              <a:rPr lang="en-US" altLang="ja-JP" sz="1200" dirty="0"/>
+            </a:br>
+            <a:r>
+              <a:rPr lang="en-US" altLang="ja-JP" sz="1200" dirty="0"/>
+              <a:t>/api/messages</a:t>
+            </a:r>
+            <a:endParaRPr kumimoji="1" lang="ja-JP" altLang="en-US" sz="1200" dirty="0"/>
+          </a:p>
+        </p:txBody>
+      </p:sp>
+      <p:sp>
+        <p:nvSpPr>
+          <p:cNvPr id="36" name="テキスト ボックス 35">
+            <a:extLst>
+              <a:ext uri="{FF2B5EF4-FFF2-40B4-BE49-F238E27FC236}">
+                <a16:creationId xmlns:a16="http://schemas.microsoft.com/office/drawing/2014/main" id="{1424F270-09FB-6809-68C8-85FB566F0420}"/>
+              </a:ext>
+            </a:extLst>
+          </p:cNvPr>
+          <p:cNvSpPr txBox="1"/>
+          <p:nvPr/>
+        </p:nvSpPr>
+        <p:spPr>
+          <a:xfrm>
+            <a:off x="3331653" y="1363269"/>
+            <a:ext cx="3078922" cy="461665"/>
+          </a:xfrm>
+          <a:prstGeom prst="rect">
+            <a:avLst/>
+          </a:prstGeom>
+          <a:noFill/>
+        </p:spPr>
+        <p:txBody>
+          <a:bodyPr wrap="square">
+            <a:spAutoFit/>
+          </a:bodyPr>
+          <a:lstStyle/>
+          <a:p>
+            <a:pPr algn="r"/>
+            <a:r>
+              <a:rPr lang="ja-JP" altLang="en-US" sz="1200" dirty="0"/>
+              <a:t>https://</a:t>
+            </a:r>
+            <a:r>
+              <a:rPr lang="en-US" altLang="ja-JP" sz="1200" i="1" dirty="0"/>
+              <a:t>unique-id</a:t>
+            </a:r>
+            <a:r>
+              <a:rPr lang="ja-JP" altLang="en-US" sz="1200" dirty="0"/>
+              <a:t>.asse.devtunnels.ms</a:t>
+            </a:r>
+            <a:br>
+              <a:rPr lang="en-US" altLang="ja-JP" sz="1200" dirty="0"/>
+            </a:br>
+            <a:r>
+              <a:rPr lang="en-US" altLang="ja-JP" sz="1200" dirty="0"/>
+              <a:t>    </a:t>
+            </a:r>
+            <a:r>
+              <a:rPr lang="ja-JP" altLang="en-US" sz="1200" dirty="0"/>
+              <a:t>/</a:t>
+            </a:r>
+            <a:r>
+              <a:rPr lang="en-US" altLang="ja-JP" sz="1200" dirty="0" err="1"/>
+              <a:t>api</a:t>
+            </a:r>
+            <a:r>
+              <a:rPr lang="en-US" altLang="ja-JP" sz="1200" dirty="0"/>
+              <a:t>/messages</a:t>
+            </a:r>
+            <a:endParaRPr lang="ja-JP" altLang="en-US" sz="1200" dirty="0"/>
+          </a:p>
+        </p:txBody>
+      </p:sp>
+      <p:sp>
+        <p:nvSpPr>
+          <p:cNvPr id="37" name="テキスト ボックス 36">
+            <a:extLst>
+              <a:ext uri="{FF2B5EF4-FFF2-40B4-BE49-F238E27FC236}">
+                <a16:creationId xmlns:a16="http://schemas.microsoft.com/office/drawing/2014/main" id="{B53798D6-61B4-8E8A-5678-7D36B0E8A192}"/>
+              </a:ext>
+            </a:extLst>
+          </p:cNvPr>
+          <p:cNvSpPr txBox="1"/>
+          <p:nvPr/>
+        </p:nvSpPr>
+        <p:spPr>
+          <a:xfrm>
+            <a:off x="3091881" y="421539"/>
+            <a:ext cx="1737971" cy="276999"/>
+          </a:xfrm>
+          <a:prstGeom prst="rect">
+            <a:avLst/>
+          </a:prstGeom>
+          <a:noFill/>
+        </p:spPr>
+        <p:txBody>
+          <a:bodyPr wrap="square">
+            <a:spAutoFit/>
+          </a:bodyPr>
+          <a:lstStyle/>
+          <a:p>
+            <a:r>
+              <a:rPr lang="ja-JP" altLang="en-US" sz="1200" dirty="0"/>
+              <a:t>アプリ登録</a:t>
+            </a:r>
+          </a:p>
+        </p:txBody>
+      </p:sp>
+      <p:sp>
+        <p:nvSpPr>
+          <p:cNvPr id="38" name="テキスト ボックス 37">
+            <a:extLst>
+              <a:ext uri="{FF2B5EF4-FFF2-40B4-BE49-F238E27FC236}">
+                <a16:creationId xmlns:a16="http://schemas.microsoft.com/office/drawing/2014/main" id="{1E86AF16-97CD-5904-5304-44B71E95647E}"/>
+              </a:ext>
+            </a:extLst>
+          </p:cNvPr>
+          <p:cNvSpPr txBox="1"/>
+          <p:nvPr/>
+        </p:nvSpPr>
+        <p:spPr>
+          <a:xfrm>
+            <a:off x="8597443" y="422129"/>
+            <a:ext cx="865943" cy="276999"/>
+          </a:xfrm>
+          <a:prstGeom prst="rect">
+            <a:avLst/>
+          </a:prstGeom>
+          <a:noFill/>
+        </p:spPr>
+        <p:txBody>
+          <a:bodyPr wrap="square">
+            <a:spAutoFit/>
+          </a:bodyPr>
+          <a:lstStyle/>
+          <a:p>
+            <a:r>
+              <a:rPr lang="ja-JP" altLang="en-US" sz="1200" dirty="0"/>
+              <a:t>認可</a:t>
+            </a:r>
           </a:p>
         </p:txBody>
       </p:sp>
@@ -5549,6 +8474,1070 @@
     <p:extLst>
       <p:ext uri="{BB962C8B-B14F-4D97-AF65-F5344CB8AC3E}">
         <p14:creationId xmlns:p14="http://schemas.microsoft.com/office/powerpoint/2010/main" val="540769406"/>
+      </p:ext>
+    </p:extLst>
+  </p:cSld>
+  <p:clrMapOvr>
+    <a:masterClrMapping/>
+  </p:clrMapOvr>
+</p:sld>
+</file>
+
+<file path=ppt/slides/slide5.xml><?xml version="1.0" encoding="utf-8"?>
+<p:sld xmlns:a="http://schemas.openxmlformats.org/drawingml/2006/main" xmlns:r="http://schemas.openxmlformats.org/officeDocument/2006/relationships" xmlns:p="http://schemas.openxmlformats.org/presentationml/2006/main">
+  <p:cSld>
+    <p:spTree>
+      <p:nvGrpSpPr>
+        <p:cNvPr id="1" name=""/>
+        <p:cNvGrpSpPr/>
+        <p:nvPr/>
+      </p:nvGrpSpPr>
+      <p:grpSpPr>
+        <a:xfrm>
+          <a:off x="0" y="0"/>
+          <a:ext cx="0" cy="0"/>
+          <a:chOff x="0" y="0"/>
+          <a:chExt cx="0" cy="0"/>
+        </a:xfrm>
+      </p:grpSpPr>
+      <p:pic>
+        <p:nvPicPr>
+          <p:cNvPr id="12" name="図 11">
+            <a:extLst>
+              <a:ext uri="{FF2B5EF4-FFF2-40B4-BE49-F238E27FC236}">
+                <a16:creationId xmlns:a16="http://schemas.microsoft.com/office/drawing/2014/main" id="{41AD873D-86C5-06B3-488D-0F7267545429}"/>
+              </a:ext>
+            </a:extLst>
+          </p:cNvPr>
+          <p:cNvPicPr>
+            <a:picLocks noChangeAspect="1"/>
+          </p:cNvPicPr>
+          <p:nvPr/>
+        </p:nvPicPr>
+        <p:blipFill>
+          <a:blip r:embed="rId2"/>
+          <a:stretch>
+            <a:fillRect/>
+          </a:stretch>
+        </p:blipFill>
+        <p:spPr>
+          <a:xfrm>
+            <a:off x="1798198" y="2009069"/>
+            <a:ext cx="4157832" cy="2328874"/>
+          </a:xfrm>
+          <a:prstGeom prst="rect">
+            <a:avLst/>
+          </a:prstGeom>
+          <a:ln>
+            <a:noFill/>
+          </a:ln>
+          <a:effectLst>
+            <a:outerShdw blurRad="292100" dist="139700" dir="2700000" algn="tl" rotWithShape="0">
+              <a:srgbClr val="333333">
+                <a:alpha val="65000"/>
+              </a:srgbClr>
+            </a:outerShdw>
+          </a:effectLst>
+        </p:spPr>
+      </p:pic>
+      <p:pic>
+        <p:nvPicPr>
+          <p:cNvPr id="7" name="図 6">
+            <a:extLst>
+              <a:ext uri="{FF2B5EF4-FFF2-40B4-BE49-F238E27FC236}">
+                <a16:creationId xmlns:a16="http://schemas.microsoft.com/office/drawing/2014/main" id="{799208AA-5912-1F63-032D-D8098A85486D}"/>
+              </a:ext>
+            </a:extLst>
+          </p:cNvPr>
+          <p:cNvPicPr>
+            <a:picLocks noChangeAspect="1"/>
+          </p:cNvPicPr>
+          <p:nvPr/>
+        </p:nvPicPr>
+        <p:blipFill>
+          <a:blip r:embed="rId3"/>
+          <a:stretch>
+            <a:fillRect/>
+          </a:stretch>
+        </p:blipFill>
+        <p:spPr>
+          <a:xfrm>
+            <a:off x="6235971" y="2009069"/>
+            <a:ext cx="4907158" cy="2332911"/>
+          </a:xfrm>
+          <a:prstGeom prst="rect">
+            <a:avLst/>
+          </a:prstGeom>
+          <a:ln>
+            <a:noFill/>
+          </a:ln>
+          <a:effectLst>
+            <a:outerShdw blurRad="292100" dist="139700" dir="2700000" algn="tl" rotWithShape="0">
+              <a:srgbClr val="333333">
+                <a:alpha val="65000"/>
+              </a:srgbClr>
+            </a:outerShdw>
+          </a:effectLst>
+        </p:spPr>
+      </p:pic>
+      <p:sp>
+        <p:nvSpPr>
+          <p:cNvPr id="8" name="楕円 7">
+            <a:extLst>
+              <a:ext uri="{FF2B5EF4-FFF2-40B4-BE49-F238E27FC236}">
+                <a16:creationId xmlns:a16="http://schemas.microsoft.com/office/drawing/2014/main" id="{489E2758-3BDE-F054-02A7-D32D4DA72BA0}"/>
+              </a:ext>
+            </a:extLst>
+          </p:cNvPr>
+          <p:cNvSpPr/>
+          <p:nvPr/>
+        </p:nvSpPr>
+        <p:spPr>
+          <a:xfrm>
+            <a:off x="3194510" y="3355639"/>
+            <a:ext cx="1643345" cy="156958"/>
+          </a:xfrm>
+          <a:prstGeom prst="ellipse">
+            <a:avLst/>
+          </a:prstGeom>
+          <a:noFill/>
+          <a:ln w="28575">
+            <a:solidFill>
+              <a:srgbClr val="EE0000"/>
+            </a:solidFill>
+          </a:ln>
+        </p:spPr>
+        <p:style>
+          <a:lnRef idx="2">
+            <a:schemeClr val="accent1">
+              <a:shade val="15000"/>
+            </a:schemeClr>
+          </a:lnRef>
+          <a:fillRef idx="1">
+            <a:schemeClr val="accent1"/>
+          </a:fillRef>
+          <a:effectRef idx="0">
+            <a:schemeClr val="accent1"/>
+          </a:effectRef>
+          <a:fontRef idx="minor">
+            <a:schemeClr val="lt1"/>
+          </a:fontRef>
+        </p:style>
+        <p:txBody>
+          <a:bodyPr rtlCol="0" anchor="ctr"/>
+          <a:lstStyle/>
+          <a:p>
+            <a:pPr algn="ctr"/>
+            <a:endParaRPr kumimoji="1" lang="ja-JP" altLang="en-US">
+              <a:noFill/>
+            </a:endParaRPr>
+          </a:p>
+        </p:txBody>
+      </p:sp>
+      <p:sp>
+        <p:nvSpPr>
+          <p:cNvPr id="9" name="楕円 8">
+            <a:extLst>
+              <a:ext uri="{FF2B5EF4-FFF2-40B4-BE49-F238E27FC236}">
+                <a16:creationId xmlns:a16="http://schemas.microsoft.com/office/drawing/2014/main" id="{6EB88D40-4549-8277-8403-9A3C949C03AF}"/>
+              </a:ext>
+            </a:extLst>
+          </p:cNvPr>
+          <p:cNvSpPr/>
+          <p:nvPr/>
+        </p:nvSpPr>
+        <p:spPr>
+          <a:xfrm>
+            <a:off x="3221405" y="3683109"/>
+            <a:ext cx="1643345" cy="156958"/>
+          </a:xfrm>
+          <a:prstGeom prst="ellipse">
+            <a:avLst/>
+          </a:prstGeom>
+          <a:noFill/>
+          <a:ln w="28575">
+            <a:solidFill>
+              <a:srgbClr val="EE0000"/>
+            </a:solidFill>
+          </a:ln>
+        </p:spPr>
+        <p:style>
+          <a:lnRef idx="2">
+            <a:schemeClr val="accent1">
+              <a:shade val="15000"/>
+            </a:schemeClr>
+          </a:lnRef>
+          <a:fillRef idx="1">
+            <a:schemeClr val="accent1"/>
+          </a:fillRef>
+          <a:effectRef idx="0">
+            <a:schemeClr val="accent1"/>
+          </a:effectRef>
+          <a:fontRef idx="minor">
+            <a:schemeClr val="lt1"/>
+          </a:fontRef>
+        </p:style>
+        <p:txBody>
+          <a:bodyPr rtlCol="0" anchor="ctr"/>
+          <a:lstStyle/>
+          <a:p>
+            <a:pPr algn="ctr"/>
+            <a:endParaRPr kumimoji="1" lang="ja-JP" altLang="en-US">
+              <a:noFill/>
+            </a:endParaRPr>
+          </a:p>
+        </p:txBody>
+      </p:sp>
+      <p:sp>
+        <p:nvSpPr>
+          <p:cNvPr id="10" name="楕円 9">
+            <a:extLst>
+              <a:ext uri="{FF2B5EF4-FFF2-40B4-BE49-F238E27FC236}">
+                <a16:creationId xmlns:a16="http://schemas.microsoft.com/office/drawing/2014/main" id="{95B7DCC8-FBC0-1D32-B099-B40769F8AFF3}"/>
+              </a:ext>
+            </a:extLst>
+          </p:cNvPr>
+          <p:cNvSpPr/>
+          <p:nvPr/>
+        </p:nvSpPr>
+        <p:spPr>
+          <a:xfrm>
+            <a:off x="9436140" y="4149275"/>
+            <a:ext cx="1020388" cy="156958"/>
+          </a:xfrm>
+          <a:prstGeom prst="ellipse">
+            <a:avLst/>
+          </a:prstGeom>
+          <a:noFill/>
+          <a:ln w="28575">
+            <a:solidFill>
+              <a:srgbClr val="EE0000"/>
+            </a:solidFill>
+          </a:ln>
+        </p:spPr>
+        <p:style>
+          <a:lnRef idx="2">
+            <a:schemeClr val="accent1">
+              <a:shade val="15000"/>
+            </a:schemeClr>
+          </a:lnRef>
+          <a:fillRef idx="1">
+            <a:schemeClr val="accent1"/>
+          </a:fillRef>
+          <a:effectRef idx="0">
+            <a:schemeClr val="accent1"/>
+          </a:effectRef>
+          <a:fontRef idx="minor">
+            <a:schemeClr val="lt1"/>
+          </a:fontRef>
+        </p:style>
+        <p:txBody>
+          <a:bodyPr rtlCol="0" anchor="ctr"/>
+          <a:lstStyle/>
+          <a:p>
+            <a:pPr algn="ctr"/>
+            <a:endParaRPr kumimoji="1" lang="ja-JP" altLang="en-US">
+              <a:noFill/>
+            </a:endParaRPr>
+          </a:p>
+        </p:txBody>
+      </p:sp>
+    </p:spTree>
+    <p:extLst>
+      <p:ext uri="{BB962C8B-B14F-4D97-AF65-F5344CB8AC3E}">
+        <p14:creationId xmlns:p14="http://schemas.microsoft.com/office/powerpoint/2010/main" val="3079473865"/>
+      </p:ext>
+    </p:extLst>
+  </p:cSld>
+  <p:clrMapOvr>
+    <a:masterClrMapping/>
+  </p:clrMapOvr>
+</p:sld>
+</file>
+
+<file path=ppt/slides/slide6.xml><?xml version="1.0" encoding="utf-8"?>
+<p:sld xmlns:a="http://schemas.openxmlformats.org/drawingml/2006/main" xmlns:r="http://schemas.openxmlformats.org/officeDocument/2006/relationships" xmlns:p="http://schemas.openxmlformats.org/presentationml/2006/main">
+  <p:cSld>
+    <p:spTree>
+      <p:nvGrpSpPr>
+        <p:cNvPr id="1" name=""/>
+        <p:cNvGrpSpPr/>
+        <p:nvPr/>
+      </p:nvGrpSpPr>
+      <p:grpSpPr>
+        <a:xfrm>
+          <a:off x="0" y="0"/>
+          <a:ext cx="0" cy="0"/>
+          <a:chOff x="0" y="0"/>
+          <a:chExt cx="0" cy="0"/>
+        </a:xfrm>
+      </p:grpSpPr>
+      <p:pic>
+        <p:nvPicPr>
+          <p:cNvPr id="3" name="図 2">
+            <a:extLst>
+              <a:ext uri="{FF2B5EF4-FFF2-40B4-BE49-F238E27FC236}">
+                <a16:creationId xmlns:a16="http://schemas.microsoft.com/office/drawing/2014/main" id="{B71ED11C-FB5D-E27F-28F3-702ECE76B931}"/>
+              </a:ext>
+            </a:extLst>
+          </p:cNvPr>
+          <p:cNvPicPr>
+            <a:picLocks noChangeAspect="1"/>
+          </p:cNvPicPr>
+          <p:nvPr/>
+        </p:nvPicPr>
+        <p:blipFill>
+          <a:blip r:embed="rId2"/>
+          <a:stretch>
+            <a:fillRect/>
+          </a:stretch>
+        </p:blipFill>
+        <p:spPr>
+          <a:xfrm>
+            <a:off x="2523626" y="2952683"/>
+            <a:ext cx="7144747" cy="952633"/>
+          </a:xfrm>
+          <a:prstGeom prst="rect">
+            <a:avLst/>
+          </a:prstGeom>
+        </p:spPr>
+      </p:pic>
+      <p:sp>
+        <p:nvSpPr>
+          <p:cNvPr id="4" name="吹き出し: 四角形 3">
+            <a:extLst>
+              <a:ext uri="{FF2B5EF4-FFF2-40B4-BE49-F238E27FC236}">
+                <a16:creationId xmlns:a16="http://schemas.microsoft.com/office/drawing/2014/main" id="{025FBF7F-0816-2A61-9BA0-41F84367F5B7}"/>
+              </a:ext>
+            </a:extLst>
+          </p:cNvPr>
+          <p:cNvSpPr/>
+          <p:nvPr/>
+        </p:nvSpPr>
+        <p:spPr>
+          <a:xfrm>
+            <a:off x="3298902" y="2247266"/>
+            <a:ext cx="3636403" cy="418447"/>
+          </a:xfrm>
+          <a:prstGeom prst="wedgeRectCallout">
+            <a:avLst>
+              <a:gd name="adj1" fmla="val 30309"/>
+              <a:gd name="adj2" fmla="val 167010"/>
+            </a:avLst>
+          </a:prstGeom>
+        </p:spPr>
+        <p:style>
+          <a:lnRef idx="1">
+            <a:schemeClr val="accent2"/>
+          </a:lnRef>
+          <a:fillRef idx="2">
+            <a:schemeClr val="accent2"/>
+          </a:fillRef>
+          <a:effectRef idx="1">
+            <a:schemeClr val="accent2"/>
+          </a:effectRef>
+          <a:fontRef idx="minor">
+            <a:schemeClr val="dk1"/>
+          </a:fontRef>
+        </p:style>
+        <p:txBody>
+          <a:bodyPr rtlCol="0" anchor="ctr"/>
+          <a:lstStyle/>
+          <a:p>
+            <a:r>
+              <a:rPr kumimoji="1" lang="en-US" altLang="ja-JP" sz="1200" dirty="0"/>
+              <a:t>ASP.NET</a:t>
+            </a:r>
+            <a:r>
+              <a:rPr kumimoji="1" lang="ja-JP" altLang="en-US" sz="1200" dirty="0"/>
+              <a:t> </a:t>
+            </a:r>
+            <a:r>
+              <a:rPr kumimoji="1" lang="en-US" altLang="ja-JP" sz="1200" dirty="0"/>
+              <a:t>Core</a:t>
+            </a:r>
+            <a:r>
+              <a:rPr kumimoji="1" lang="ja-JP" altLang="en-US" sz="1200" dirty="0"/>
+              <a:t> プロジェクトを選ぶ</a:t>
+            </a:r>
+            <a:br>
+              <a:rPr kumimoji="1" lang="en-US" altLang="ja-JP" sz="1200" dirty="0"/>
+            </a:br>
+            <a:r>
+              <a:rPr kumimoji="1" lang="ja-JP" altLang="en-US" sz="1200" dirty="0"/>
+              <a:t>（シングル スタートアップ プロジェクトになる）</a:t>
+            </a:r>
+          </a:p>
+        </p:txBody>
+      </p:sp>
+      <p:sp>
+        <p:nvSpPr>
+          <p:cNvPr id="5" name="吹き出し: 四角形 4">
+            <a:extLst>
+              <a:ext uri="{FF2B5EF4-FFF2-40B4-BE49-F238E27FC236}">
+                <a16:creationId xmlns:a16="http://schemas.microsoft.com/office/drawing/2014/main" id="{ACD7D4DE-45CC-7BD8-6697-DE2BB38562F7}"/>
+              </a:ext>
+            </a:extLst>
+          </p:cNvPr>
+          <p:cNvSpPr/>
+          <p:nvPr/>
+        </p:nvSpPr>
+        <p:spPr>
+          <a:xfrm>
+            <a:off x="7541806" y="2247265"/>
+            <a:ext cx="2684455" cy="418447"/>
+          </a:xfrm>
+          <a:prstGeom prst="wedgeRectCallout">
+            <a:avLst>
+              <a:gd name="adj1" fmla="val -32252"/>
+              <a:gd name="adj2" fmla="val 187068"/>
+            </a:avLst>
+          </a:prstGeom>
+        </p:spPr>
+        <p:style>
+          <a:lnRef idx="1">
+            <a:schemeClr val="accent2"/>
+          </a:lnRef>
+          <a:fillRef idx="2">
+            <a:schemeClr val="accent2"/>
+          </a:fillRef>
+          <a:effectRef idx="1">
+            <a:schemeClr val="accent2"/>
+          </a:effectRef>
+          <a:fontRef idx="minor">
+            <a:schemeClr val="dk1"/>
+          </a:fontRef>
+        </p:style>
+        <p:txBody>
+          <a:bodyPr rtlCol="0" anchor="ctr"/>
+          <a:lstStyle/>
+          <a:p>
+            <a:r>
+              <a:rPr kumimoji="1" lang="ja-JP" altLang="en-US" sz="1200" dirty="0"/>
+              <a:t>”</a:t>
+            </a:r>
+            <a:r>
+              <a:rPr kumimoji="1" lang="en-US" altLang="ja-JP" sz="1200" dirty="0"/>
+              <a:t>Start</a:t>
+            </a:r>
+            <a:r>
+              <a:rPr kumimoji="1" lang="ja-JP" altLang="en-US" sz="1200" dirty="0"/>
+              <a:t> </a:t>
+            </a:r>
+            <a:r>
+              <a:rPr kumimoji="1" lang="en-US" altLang="ja-JP" sz="1200" dirty="0"/>
+              <a:t>Project</a:t>
+            </a:r>
+            <a:r>
+              <a:rPr kumimoji="1" lang="ja-JP" altLang="en-US" sz="1200" dirty="0"/>
+              <a:t>” を選択</a:t>
+            </a:r>
+            <a:br>
+              <a:rPr kumimoji="1" lang="en-US" altLang="ja-JP" sz="1200" dirty="0"/>
+            </a:br>
+            <a:r>
+              <a:rPr kumimoji="1" lang="ja-JP" altLang="en-US" sz="1200" dirty="0"/>
+              <a:t>内容は </a:t>
+            </a:r>
+            <a:r>
+              <a:rPr kumimoji="1" lang="en-US" altLang="ja-JP" sz="1200" dirty="0" err="1"/>
+              <a:t>launchSettings.json</a:t>
+            </a:r>
+            <a:r>
+              <a:rPr kumimoji="1" lang="en-US" altLang="ja-JP" sz="1200" dirty="0"/>
+              <a:t> </a:t>
+            </a:r>
+            <a:r>
+              <a:rPr kumimoji="1" lang="ja-JP" altLang="en-US" sz="1200" dirty="0"/>
+              <a:t>に記載</a:t>
+            </a:r>
+          </a:p>
+        </p:txBody>
+      </p:sp>
+    </p:spTree>
+    <p:extLst>
+      <p:ext uri="{BB962C8B-B14F-4D97-AF65-F5344CB8AC3E}">
+        <p14:creationId xmlns:p14="http://schemas.microsoft.com/office/powerpoint/2010/main" val="2694720279"/>
+      </p:ext>
+    </p:extLst>
+  </p:cSld>
+  <p:clrMapOvr>
+    <a:masterClrMapping/>
+  </p:clrMapOvr>
+</p:sld>
+</file>
+
+<file path=ppt/slides/slide7.xml><?xml version="1.0" encoding="utf-8"?>
+<p:sld xmlns:a="http://schemas.openxmlformats.org/drawingml/2006/main" xmlns:r="http://schemas.openxmlformats.org/officeDocument/2006/relationships" xmlns:p="http://schemas.openxmlformats.org/presentationml/2006/main">
+  <p:cSld>
+    <p:spTree>
+      <p:nvGrpSpPr>
+        <p:cNvPr id="1" name=""/>
+        <p:cNvGrpSpPr/>
+        <p:nvPr/>
+      </p:nvGrpSpPr>
+      <p:grpSpPr>
+        <a:xfrm>
+          <a:off x="0" y="0"/>
+          <a:ext cx="0" cy="0"/>
+          <a:chOff x="0" y="0"/>
+          <a:chExt cx="0" cy="0"/>
+        </a:xfrm>
+      </p:grpSpPr>
+      <p:pic>
+        <p:nvPicPr>
+          <p:cNvPr id="9" name="図 8">
+            <a:extLst>
+              <a:ext uri="{FF2B5EF4-FFF2-40B4-BE49-F238E27FC236}">
+                <a16:creationId xmlns:a16="http://schemas.microsoft.com/office/drawing/2014/main" id="{081F9F75-0515-3E51-59B3-6E5324B0878A}"/>
+              </a:ext>
+            </a:extLst>
+          </p:cNvPr>
+          <p:cNvPicPr>
+            <a:picLocks noChangeAspect="1"/>
+          </p:cNvPicPr>
+          <p:nvPr/>
+        </p:nvPicPr>
+        <p:blipFill>
+          <a:blip r:embed="rId2"/>
+          <a:stretch>
+            <a:fillRect/>
+          </a:stretch>
+        </p:blipFill>
+        <p:spPr>
+          <a:xfrm>
+            <a:off x="637180" y="1074726"/>
+            <a:ext cx="5016005" cy="2667711"/>
+          </a:xfrm>
+          <a:prstGeom prst="rect">
+            <a:avLst/>
+          </a:prstGeom>
+          <a:ln>
+            <a:noFill/>
+          </a:ln>
+          <a:effectLst>
+            <a:outerShdw blurRad="292100" dist="139700" dir="2700000" algn="tl" rotWithShape="0">
+              <a:srgbClr val="333333">
+                <a:alpha val="65000"/>
+              </a:srgbClr>
+            </a:outerShdw>
+          </a:effectLst>
+        </p:spPr>
+      </p:pic>
+      <p:sp>
+        <p:nvSpPr>
+          <p:cNvPr id="10" name="楕円 9">
+            <a:extLst>
+              <a:ext uri="{FF2B5EF4-FFF2-40B4-BE49-F238E27FC236}">
+                <a16:creationId xmlns:a16="http://schemas.microsoft.com/office/drawing/2014/main" id="{32E06A65-5E13-FD08-3BA5-89978A70CF62}"/>
+              </a:ext>
+            </a:extLst>
+          </p:cNvPr>
+          <p:cNvSpPr/>
+          <p:nvPr/>
+        </p:nvSpPr>
+        <p:spPr>
+          <a:xfrm>
+            <a:off x="3574457" y="3261788"/>
+            <a:ext cx="927625" cy="229802"/>
+          </a:xfrm>
+          <a:prstGeom prst="ellipse">
+            <a:avLst/>
+          </a:prstGeom>
+          <a:noFill/>
+          <a:ln w="28575">
+            <a:solidFill>
+              <a:srgbClr val="EE0000"/>
+            </a:solidFill>
+          </a:ln>
+        </p:spPr>
+        <p:style>
+          <a:lnRef idx="2">
+            <a:schemeClr val="accent1">
+              <a:shade val="15000"/>
+            </a:schemeClr>
+          </a:lnRef>
+          <a:fillRef idx="1">
+            <a:schemeClr val="accent1"/>
+          </a:fillRef>
+          <a:effectRef idx="0">
+            <a:schemeClr val="accent1"/>
+          </a:effectRef>
+          <a:fontRef idx="minor">
+            <a:schemeClr val="lt1"/>
+          </a:fontRef>
+        </p:style>
+        <p:txBody>
+          <a:bodyPr rtlCol="0" anchor="ctr"/>
+          <a:lstStyle/>
+          <a:p>
+            <a:pPr algn="ctr"/>
+            <a:endParaRPr kumimoji="1" lang="ja-JP" altLang="en-US">
+              <a:noFill/>
+            </a:endParaRPr>
+          </a:p>
+        </p:txBody>
+      </p:sp>
+      <p:pic>
+        <p:nvPicPr>
+          <p:cNvPr id="11" name="図 10">
+            <a:extLst>
+              <a:ext uri="{FF2B5EF4-FFF2-40B4-BE49-F238E27FC236}">
+                <a16:creationId xmlns:a16="http://schemas.microsoft.com/office/drawing/2014/main" id="{63D91BC1-728D-BF1E-16D1-6464A8971ED7}"/>
+              </a:ext>
+            </a:extLst>
+          </p:cNvPr>
+          <p:cNvPicPr>
+            <a:picLocks noChangeAspect="1"/>
+          </p:cNvPicPr>
+          <p:nvPr/>
+        </p:nvPicPr>
+        <p:blipFill>
+          <a:blip r:embed="rId3"/>
+          <a:stretch>
+            <a:fillRect/>
+          </a:stretch>
+        </p:blipFill>
+        <p:spPr>
+          <a:xfrm>
+            <a:off x="6096000" y="1074726"/>
+            <a:ext cx="3920068" cy="2645893"/>
+          </a:xfrm>
+          <a:prstGeom prst="rect">
+            <a:avLst/>
+          </a:prstGeom>
+          <a:ln>
+            <a:noFill/>
+          </a:ln>
+          <a:effectLst>
+            <a:outerShdw blurRad="292100" dist="139700" dir="2700000" algn="tl" rotWithShape="0">
+              <a:srgbClr val="333333">
+                <a:alpha val="65000"/>
+              </a:srgbClr>
+            </a:outerShdw>
+          </a:effectLst>
+        </p:spPr>
+      </p:pic>
+      <p:sp>
+        <p:nvSpPr>
+          <p:cNvPr id="12" name="楕円 11">
+            <a:extLst>
+              <a:ext uri="{FF2B5EF4-FFF2-40B4-BE49-F238E27FC236}">
+                <a16:creationId xmlns:a16="http://schemas.microsoft.com/office/drawing/2014/main" id="{1B66C9F5-29A2-5712-B404-F8882892DADC}"/>
+              </a:ext>
+            </a:extLst>
+          </p:cNvPr>
+          <p:cNvSpPr/>
+          <p:nvPr/>
+        </p:nvSpPr>
+        <p:spPr>
+          <a:xfrm>
+            <a:off x="6041570" y="3261788"/>
+            <a:ext cx="927625" cy="229802"/>
+          </a:xfrm>
+          <a:prstGeom prst="ellipse">
+            <a:avLst/>
+          </a:prstGeom>
+          <a:noFill/>
+          <a:ln w="28575">
+            <a:solidFill>
+              <a:srgbClr val="EE0000"/>
+            </a:solidFill>
+          </a:ln>
+        </p:spPr>
+        <p:style>
+          <a:lnRef idx="2">
+            <a:schemeClr val="accent1">
+              <a:shade val="15000"/>
+            </a:schemeClr>
+          </a:lnRef>
+          <a:fillRef idx="1">
+            <a:schemeClr val="accent1"/>
+          </a:fillRef>
+          <a:effectRef idx="0">
+            <a:schemeClr val="accent1"/>
+          </a:effectRef>
+          <a:fontRef idx="minor">
+            <a:schemeClr val="lt1"/>
+          </a:fontRef>
+        </p:style>
+        <p:txBody>
+          <a:bodyPr rtlCol="0" anchor="ctr"/>
+          <a:lstStyle/>
+          <a:p>
+            <a:pPr algn="ctr"/>
+            <a:endParaRPr kumimoji="1" lang="ja-JP" altLang="en-US">
+              <a:noFill/>
+            </a:endParaRPr>
+          </a:p>
+        </p:txBody>
+      </p:sp>
+    </p:spTree>
+    <p:extLst>
+      <p:ext uri="{BB962C8B-B14F-4D97-AF65-F5344CB8AC3E}">
+        <p14:creationId xmlns:p14="http://schemas.microsoft.com/office/powerpoint/2010/main" val="1680403664"/>
+      </p:ext>
+    </p:extLst>
+  </p:cSld>
+  <p:clrMapOvr>
+    <a:masterClrMapping/>
+  </p:clrMapOvr>
+</p:sld>
+</file>
+
+<file path=ppt/slides/slide8.xml><?xml version="1.0" encoding="utf-8"?>
+<p:sld xmlns:a="http://schemas.openxmlformats.org/drawingml/2006/main" xmlns:r="http://schemas.openxmlformats.org/officeDocument/2006/relationships" xmlns:p="http://schemas.openxmlformats.org/presentationml/2006/main">
+  <p:cSld>
+    <p:spTree>
+      <p:nvGrpSpPr>
+        <p:cNvPr id="1" name=""/>
+        <p:cNvGrpSpPr/>
+        <p:nvPr/>
+      </p:nvGrpSpPr>
+      <p:grpSpPr>
+        <a:xfrm>
+          <a:off x="0" y="0"/>
+          <a:ext cx="0" cy="0"/>
+          <a:chOff x="0" y="0"/>
+          <a:chExt cx="0" cy="0"/>
+        </a:xfrm>
+      </p:grpSpPr>
+      <p:pic>
+        <p:nvPicPr>
+          <p:cNvPr id="5" name="図 4">
+            <a:extLst>
+              <a:ext uri="{FF2B5EF4-FFF2-40B4-BE49-F238E27FC236}">
+                <a16:creationId xmlns:a16="http://schemas.microsoft.com/office/drawing/2014/main" id="{35A250F5-8BBD-4D6C-9632-18FEFB86A8A5}"/>
+              </a:ext>
+            </a:extLst>
+          </p:cNvPr>
+          <p:cNvPicPr>
+            <a:picLocks noChangeAspect="1"/>
+          </p:cNvPicPr>
+          <p:nvPr/>
+        </p:nvPicPr>
+        <p:blipFill>
+          <a:blip r:embed="rId2"/>
+          <a:stretch>
+            <a:fillRect/>
+          </a:stretch>
+        </p:blipFill>
+        <p:spPr>
+          <a:xfrm>
+            <a:off x="314715" y="329834"/>
+            <a:ext cx="9160030" cy="1940096"/>
+          </a:xfrm>
+          <a:prstGeom prst="rect">
+            <a:avLst/>
+          </a:prstGeom>
+        </p:spPr>
+      </p:pic>
+      <p:sp>
+        <p:nvSpPr>
+          <p:cNvPr id="6" name="楕円 5">
+            <a:extLst>
+              <a:ext uri="{FF2B5EF4-FFF2-40B4-BE49-F238E27FC236}">
+                <a16:creationId xmlns:a16="http://schemas.microsoft.com/office/drawing/2014/main" id="{D8D4F8B4-814E-7DD8-1750-1ACC044C93C7}"/>
+              </a:ext>
+            </a:extLst>
+          </p:cNvPr>
+          <p:cNvSpPr/>
+          <p:nvPr/>
+        </p:nvSpPr>
+        <p:spPr>
+          <a:xfrm>
+            <a:off x="672473" y="742121"/>
+            <a:ext cx="268700" cy="229802"/>
+          </a:xfrm>
+          <a:prstGeom prst="ellipse">
+            <a:avLst/>
+          </a:prstGeom>
+          <a:noFill/>
+          <a:ln w="28575">
+            <a:solidFill>
+              <a:srgbClr val="EE0000"/>
+            </a:solidFill>
+          </a:ln>
+        </p:spPr>
+        <p:style>
+          <a:lnRef idx="2">
+            <a:schemeClr val="accent1">
+              <a:shade val="15000"/>
+            </a:schemeClr>
+          </a:lnRef>
+          <a:fillRef idx="1">
+            <a:schemeClr val="accent1"/>
+          </a:fillRef>
+          <a:effectRef idx="0">
+            <a:schemeClr val="accent1"/>
+          </a:effectRef>
+          <a:fontRef idx="minor">
+            <a:schemeClr val="lt1"/>
+          </a:fontRef>
+        </p:style>
+        <p:txBody>
+          <a:bodyPr rtlCol="0" anchor="ctr"/>
+          <a:lstStyle/>
+          <a:p>
+            <a:pPr algn="ctr"/>
+            <a:endParaRPr kumimoji="1" lang="ja-JP" altLang="en-US">
+              <a:noFill/>
+            </a:endParaRPr>
+          </a:p>
+        </p:txBody>
+      </p:sp>
+      <p:pic>
+        <p:nvPicPr>
+          <p:cNvPr id="8" name="図 7">
+            <a:extLst>
+              <a:ext uri="{FF2B5EF4-FFF2-40B4-BE49-F238E27FC236}">
+                <a16:creationId xmlns:a16="http://schemas.microsoft.com/office/drawing/2014/main" id="{AD0024D3-FA5D-F99E-DA8D-EB82ABCD9F1D}"/>
+              </a:ext>
+            </a:extLst>
+          </p:cNvPr>
+          <p:cNvPicPr>
+            <a:picLocks noChangeAspect="1"/>
+          </p:cNvPicPr>
+          <p:nvPr/>
+        </p:nvPicPr>
+        <p:blipFill>
+          <a:blip r:embed="rId3"/>
+          <a:stretch>
+            <a:fillRect/>
+          </a:stretch>
+        </p:blipFill>
+        <p:spPr>
+          <a:xfrm>
+            <a:off x="7060826" y="1346522"/>
+            <a:ext cx="3126442" cy="1305215"/>
+          </a:xfrm>
+          <a:prstGeom prst="rect">
+            <a:avLst/>
+          </a:prstGeom>
+        </p:spPr>
+      </p:pic>
+    </p:spTree>
+    <p:extLst>
+      <p:ext uri="{BB962C8B-B14F-4D97-AF65-F5344CB8AC3E}">
+        <p14:creationId xmlns:p14="http://schemas.microsoft.com/office/powerpoint/2010/main" val="1366181713"/>
+      </p:ext>
+    </p:extLst>
+  </p:cSld>
+  <p:clrMapOvr>
+    <a:masterClrMapping/>
+  </p:clrMapOvr>
+</p:sld>
+</file>
+
+<file path=ppt/slides/slide9.xml><?xml version="1.0" encoding="utf-8"?>
+<p:sld xmlns:a="http://schemas.openxmlformats.org/drawingml/2006/main" xmlns:r="http://schemas.openxmlformats.org/officeDocument/2006/relationships" xmlns:p="http://schemas.openxmlformats.org/presentationml/2006/main">
+  <p:cSld>
+    <p:spTree>
+      <p:nvGrpSpPr>
+        <p:cNvPr id="1" name=""/>
+        <p:cNvGrpSpPr/>
+        <p:nvPr/>
+      </p:nvGrpSpPr>
+      <p:grpSpPr>
+        <a:xfrm>
+          <a:off x="0" y="0"/>
+          <a:ext cx="0" cy="0"/>
+          <a:chOff x="0" y="0"/>
+          <a:chExt cx="0" cy="0"/>
+        </a:xfrm>
+      </p:grpSpPr>
+      <p:pic>
+        <p:nvPicPr>
+          <p:cNvPr id="3" name="図 2">
+            <a:extLst>
+              <a:ext uri="{FF2B5EF4-FFF2-40B4-BE49-F238E27FC236}">
+                <a16:creationId xmlns:a16="http://schemas.microsoft.com/office/drawing/2014/main" id="{0133DD49-3601-7D3A-A3B6-9595C628176E}"/>
+              </a:ext>
+            </a:extLst>
+          </p:cNvPr>
+          <p:cNvPicPr>
+            <a:picLocks noChangeAspect="1"/>
+          </p:cNvPicPr>
+          <p:nvPr/>
+        </p:nvPicPr>
+        <p:blipFill>
+          <a:blip r:embed="rId2"/>
+          <a:stretch>
+            <a:fillRect/>
+          </a:stretch>
+        </p:blipFill>
+        <p:spPr>
+          <a:xfrm>
+            <a:off x="1292332" y="667836"/>
+            <a:ext cx="6882066" cy="3487341"/>
+          </a:xfrm>
+          <a:prstGeom prst="rect">
+            <a:avLst/>
+          </a:prstGeom>
+          <a:ln>
+            <a:noFill/>
+          </a:ln>
+          <a:effectLst>
+            <a:outerShdw blurRad="292100" dist="139700" dir="2700000" algn="tl" rotWithShape="0">
+              <a:srgbClr val="333333">
+                <a:alpha val="65000"/>
+              </a:srgbClr>
+            </a:outerShdw>
+          </a:effectLst>
+        </p:spPr>
+      </p:pic>
+      <p:sp>
+        <p:nvSpPr>
+          <p:cNvPr id="4" name="楕円 3">
+            <a:extLst>
+              <a:ext uri="{FF2B5EF4-FFF2-40B4-BE49-F238E27FC236}">
+                <a16:creationId xmlns:a16="http://schemas.microsoft.com/office/drawing/2014/main" id="{08199107-C4E4-45B4-A7F6-A72FFC82CAF8}"/>
+              </a:ext>
+            </a:extLst>
+          </p:cNvPr>
+          <p:cNvSpPr/>
+          <p:nvPr/>
+        </p:nvSpPr>
+        <p:spPr>
+          <a:xfrm>
+            <a:off x="1292332" y="2709929"/>
+            <a:ext cx="927625" cy="229802"/>
+          </a:xfrm>
+          <a:prstGeom prst="ellipse">
+            <a:avLst/>
+          </a:prstGeom>
+          <a:noFill/>
+          <a:ln w="28575">
+            <a:solidFill>
+              <a:srgbClr val="EE0000"/>
+            </a:solidFill>
+          </a:ln>
+        </p:spPr>
+        <p:style>
+          <a:lnRef idx="2">
+            <a:schemeClr val="accent1">
+              <a:shade val="15000"/>
+            </a:schemeClr>
+          </a:lnRef>
+          <a:fillRef idx="1">
+            <a:schemeClr val="accent1"/>
+          </a:fillRef>
+          <a:effectRef idx="0">
+            <a:schemeClr val="accent1"/>
+          </a:effectRef>
+          <a:fontRef idx="minor">
+            <a:schemeClr val="lt1"/>
+          </a:fontRef>
+        </p:style>
+        <p:txBody>
+          <a:bodyPr rtlCol="0" anchor="ctr"/>
+          <a:lstStyle/>
+          <a:p>
+            <a:pPr algn="ctr"/>
+            <a:endParaRPr kumimoji="1" lang="ja-JP" altLang="en-US">
+              <a:noFill/>
+            </a:endParaRPr>
+          </a:p>
+        </p:txBody>
+      </p:sp>
+      <p:sp>
+        <p:nvSpPr>
+          <p:cNvPr id="5" name="楕円 4">
+            <a:extLst>
+              <a:ext uri="{FF2B5EF4-FFF2-40B4-BE49-F238E27FC236}">
+                <a16:creationId xmlns:a16="http://schemas.microsoft.com/office/drawing/2014/main" id="{2828EF05-0D81-0A8D-9C3B-47C6683B89A6}"/>
+              </a:ext>
+            </a:extLst>
+          </p:cNvPr>
+          <p:cNvSpPr/>
+          <p:nvPr/>
+        </p:nvSpPr>
+        <p:spPr>
+          <a:xfrm>
+            <a:off x="6985994" y="1398033"/>
+            <a:ext cx="1234670" cy="229802"/>
+          </a:xfrm>
+          <a:prstGeom prst="ellipse">
+            <a:avLst/>
+          </a:prstGeom>
+          <a:noFill/>
+          <a:ln w="28575">
+            <a:solidFill>
+              <a:srgbClr val="EE0000"/>
+            </a:solidFill>
+          </a:ln>
+        </p:spPr>
+        <p:style>
+          <a:lnRef idx="2">
+            <a:schemeClr val="accent1">
+              <a:shade val="15000"/>
+            </a:schemeClr>
+          </a:lnRef>
+          <a:fillRef idx="1">
+            <a:schemeClr val="accent1"/>
+          </a:fillRef>
+          <a:effectRef idx="0">
+            <a:schemeClr val="accent1"/>
+          </a:effectRef>
+          <a:fontRef idx="minor">
+            <a:schemeClr val="lt1"/>
+          </a:fontRef>
+        </p:style>
+        <p:txBody>
+          <a:bodyPr rtlCol="0" anchor="ctr"/>
+          <a:lstStyle/>
+          <a:p>
+            <a:pPr algn="ctr"/>
+            <a:endParaRPr kumimoji="1" lang="ja-JP" altLang="en-US">
+              <a:noFill/>
+            </a:endParaRPr>
+          </a:p>
+        </p:txBody>
+      </p:sp>
+      <p:pic>
+        <p:nvPicPr>
+          <p:cNvPr id="7" name="図 6">
+            <a:extLst>
+              <a:ext uri="{FF2B5EF4-FFF2-40B4-BE49-F238E27FC236}">
+                <a16:creationId xmlns:a16="http://schemas.microsoft.com/office/drawing/2014/main" id="{D3F9630D-049B-0EA1-3BE4-2479B4705000}"/>
+              </a:ext>
+            </a:extLst>
+          </p:cNvPr>
+          <p:cNvPicPr>
+            <a:picLocks noChangeAspect="1"/>
+          </p:cNvPicPr>
+          <p:nvPr/>
+        </p:nvPicPr>
+        <p:blipFill>
+          <a:blip r:embed="rId3"/>
+          <a:stretch>
+            <a:fillRect/>
+          </a:stretch>
+        </p:blipFill>
+        <p:spPr>
+          <a:xfrm>
+            <a:off x="8624427" y="592602"/>
+            <a:ext cx="3929757" cy="3519237"/>
+          </a:xfrm>
+          <a:prstGeom prst="rect">
+            <a:avLst/>
+          </a:prstGeom>
+          <a:ln>
+            <a:noFill/>
+          </a:ln>
+          <a:effectLst>
+            <a:outerShdw blurRad="292100" dist="139700" dir="2700000" algn="tl" rotWithShape="0">
+              <a:srgbClr val="333333">
+                <a:alpha val="65000"/>
+              </a:srgbClr>
+            </a:outerShdw>
+          </a:effectLst>
+        </p:spPr>
+      </p:pic>
+    </p:spTree>
+    <p:extLst>
+      <p:ext uri="{BB962C8B-B14F-4D97-AF65-F5344CB8AC3E}">
+        <p14:creationId xmlns:p14="http://schemas.microsoft.com/office/powerpoint/2010/main" val="3827777189"/>
       </p:ext>
     </p:extLst>
   </p:cSld>
